--- a/slides/Backbone Slides Day 2.pptx
+++ b/slides/Backbone Slides Day 2.pptx
@@ -9,13 +9,15 @@
     <p:sldId id="299" r:id="rId3"/>
     <p:sldId id="296" r:id="rId4"/>
     <p:sldId id="297" r:id="rId5"/>
-    <p:sldId id="298" r:id="rId6"/>
-    <p:sldId id="283" r:id="rId7"/>
-    <p:sldId id="285" r:id="rId8"/>
-    <p:sldId id="284" r:id="rId9"/>
-    <p:sldId id="286" r:id="rId10"/>
-    <p:sldId id="287" r:id="rId11"/>
-    <p:sldId id="300" r:id="rId12"/>
+    <p:sldId id="300" r:id="rId6"/>
+    <p:sldId id="298" r:id="rId7"/>
+    <p:sldId id="283" r:id="rId8"/>
+    <p:sldId id="285" r:id="rId9"/>
+    <p:sldId id="284" r:id="rId10"/>
+    <p:sldId id="286" r:id="rId11"/>
+    <p:sldId id="301" r:id="rId12"/>
+    <p:sldId id="302" r:id="rId13"/>
+    <p:sldId id="303" r:id="rId14"/>
   </p:sldIdLst>
   <p:sldSz cx="9144000" cy="6858000" type="screen4x3"/>
   <p:notesSz cx="6858000" cy="9144000"/>
@@ -298,7 +300,7 @@
           <a:p>
             <a:fld id="{6BFECD78-3C8E-49F2-8FAB-59489D168ABB}" type="datetimeFigureOut">
               <a:rPr lang="en-US" smtClean="0"/>
-              <a:t>9/29/16</a:t>
+              <a:t>9/30/16</a:t>
             </a:fld>
             <a:endParaRPr lang="en-US"/>
           </a:p>
@@ -468,7 +470,7 @@
           <a:p>
             <a:fld id="{6BFECD78-3C8E-49F2-8FAB-59489D168ABB}" type="datetimeFigureOut">
               <a:rPr lang="en-US" smtClean="0"/>
-              <a:t>9/29/16</a:t>
+              <a:t>9/30/16</a:t>
             </a:fld>
             <a:endParaRPr lang="en-US"/>
           </a:p>
@@ -648,7 +650,7 @@
           <a:p>
             <a:fld id="{6BFECD78-3C8E-49F2-8FAB-59489D168ABB}" type="datetimeFigureOut">
               <a:rPr lang="en-US" smtClean="0"/>
-              <a:t>9/29/16</a:t>
+              <a:t>9/30/16</a:t>
             </a:fld>
             <a:endParaRPr lang="en-US"/>
           </a:p>
@@ -818,7 +820,7 @@
           <a:p>
             <a:fld id="{6BFECD78-3C8E-49F2-8FAB-59489D168ABB}" type="datetimeFigureOut">
               <a:rPr lang="en-US" smtClean="0"/>
-              <a:t>9/29/16</a:t>
+              <a:t>9/30/16</a:t>
             </a:fld>
             <a:endParaRPr lang="en-US"/>
           </a:p>
@@ -1064,7 +1066,7 @@
           <a:p>
             <a:fld id="{6BFECD78-3C8E-49F2-8FAB-59489D168ABB}" type="datetimeFigureOut">
               <a:rPr lang="en-US" smtClean="0"/>
-              <a:t>9/29/16</a:t>
+              <a:t>9/30/16</a:t>
             </a:fld>
             <a:endParaRPr lang="en-US"/>
           </a:p>
@@ -1352,7 +1354,7 @@
           <a:p>
             <a:fld id="{6BFECD78-3C8E-49F2-8FAB-59489D168ABB}" type="datetimeFigureOut">
               <a:rPr lang="en-US" smtClean="0"/>
-              <a:t>9/29/16</a:t>
+              <a:t>9/30/16</a:t>
             </a:fld>
             <a:endParaRPr lang="en-US"/>
           </a:p>
@@ -1774,7 +1776,7 @@
           <a:p>
             <a:fld id="{6BFECD78-3C8E-49F2-8FAB-59489D168ABB}" type="datetimeFigureOut">
               <a:rPr lang="en-US" smtClean="0"/>
-              <a:t>9/29/16</a:t>
+              <a:t>9/30/16</a:t>
             </a:fld>
             <a:endParaRPr lang="en-US"/>
           </a:p>
@@ -1892,7 +1894,7 @@
           <a:p>
             <a:fld id="{6BFECD78-3C8E-49F2-8FAB-59489D168ABB}" type="datetimeFigureOut">
               <a:rPr lang="en-US" smtClean="0"/>
-              <a:t>9/29/16</a:t>
+              <a:t>9/30/16</a:t>
             </a:fld>
             <a:endParaRPr lang="en-US"/>
           </a:p>
@@ -1987,7 +1989,7 @@
           <a:p>
             <a:fld id="{6BFECD78-3C8E-49F2-8FAB-59489D168ABB}" type="datetimeFigureOut">
               <a:rPr lang="en-US" smtClean="0"/>
-              <a:t>9/29/16</a:t>
+              <a:t>9/30/16</a:t>
             </a:fld>
             <a:endParaRPr lang="en-US"/>
           </a:p>
@@ -2264,7 +2266,7 @@
           <a:p>
             <a:fld id="{6BFECD78-3C8E-49F2-8FAB-59489D168ABB}" type="datetimeFigureOut">
               <a:rPr lang="en-US" smtClean="0"/>
-              <a:t>9/29/16</a:t>
+              <a:t>9/30/16</a:t>
             </a:fld>
             <a:endParaRPr lang="en-US"/>
           </a:p>
@@ -2521,7 +2523,7 @@
           <a:p>
             <a:fld id="{6BFECD78-3C8E-49F2-8FAB-59489D168ABB}" type="datetimeFigureOut">
               <a:rPr lang="en-US" smtClean="0"/>
-              <a:t>9/29/16</a:t>
+              <a:t>9/30/16</a:t>
             </a:fld>
             <a:endParaRPr lang="en-US"/>
           </a:p>
@@ -2734,7 +2736,7 @@
           <a:p>
             <a:fld id="{6BFECD78-3C8E-49F2-8FAB-59489D168ABB}" type="datetimeFigureOut">
               <a:rPr lang="en-US" smtClean="0"/>
-              <a:t>9/29/16</a:t>
+              <a:t>9/30/16</a:t>
             </a:fld>
             <a:endParaRPr lang="en-US"/>
           </a:p>
@@ -3245,11 +3247,7 @@
           <a:p>
             <a:r>
               <a:rPr lang="en-US" dirty="0" smtClean="0"/>
-              <a:t>Backbone </a:t>
-            </a:r>
-            <a:r>
-              <a:rPr lang="en-US" dirty="0" smtClean="0"/>
-              <a:t>Routing</a:t>
+              <a:t>Lab: Backbone Collections</a:t>
             </a:r>
             <a:endParaRPr lang="en-US" dirty="0"/>
           </a:p>
@@ -3283,11 +3281,7 @@
             </a:pPr>
             <a:r>
               <a:rPr lang="en-US" sz="2000" dirty="0" smtClean="0"/>
-              <a:t>Like server-side routing </a:t>
-            </a:r>
-            <a:r>
-              <a:rPr lang="en-US" sz="2000" dirty="0" smtClean="0"/>
-              <a:t>– connects URI to an action</a:t>
+              <a:t>Add Collection</a:t>
             </a:r>
           </a:p>
           <a:p>
@@ -3297,128 +3291,16 @@
             </a:pPr>
             <a:r>
               <a:rPr lang="en-US" sz="2000" dirty="0" smtClean="0"/>
-              <a:t>Think </a:t>
-            </a:r>
-            <a:r>
-              <a:rPr lang="en-US" sz="2000" dirty="0" err="1" smtClean="0"/>
-              <a:t>gmail</a:t>
-            </a:r>
-            <a:r>
-              <a:rPr lang="en-US" sz="2000" dirty="0" smtClean="0"/>
-              <a:t>: URI can represent one email, search results, edit contact</a:t>
-            </a:r>
-            <a:endParaRPr lang="en-US" sz="2000" dirty="0" smtClean="0"/>
-          </a:p>
-          <a:p>
-            <a:pPr marL="342900" indent="-342900" algn="l">
-              <a:buFont typeface="Arial"/>
-              <a:buChar char="•"/>
-            </a:pPr>
-            <a:r>
-              <a:rPr lang="en-US" sz="2000" dirty="0" smtClean="0"/>
-              <a:t>Backbone router acts </a:t>
-            </a:r>
-            <a:r>
-              <a:rPr lang="en-US" sz="2000" dirty="0" smtClean="0"/>
-              <a:t>on hash fragment or History API</a:t>
-            </a:r>
-          </a:p>
-          <a:p>
-            <a:pPr marL="342900" indent="-342900" algn="l">
-              <a:buFont typeface="Arial"/>
-              <a:buChar char="•"/>
-            </a:pPr>
-            <a:r>
-              <a:rPr lang="en-US" sz="2000" dirty="0" smtClean="0"/>
-              <a:t>Once page has loaded, call </a:t>
-            </a:r>
-            <a:r>
-              <a:rPr lang="en-US" sz="2000" dirty="0" err="1" smtClean="0"/>
-              <a:t>Backbone.history.start</a:t>
-            </a:r>
-            <a:r>
-              <a:rPr lang="en-US" sz="2000" dirty="0"/>
-              <a:t>(</a:t>
-            </a:r>
-            <a:r>
-              <a:rPr lang="en-US" sz="2000" dirty="0" smtClean="0"/>
-              <a:t>)</a:t>
-            </a:r>
-          </a:p>
-          <a:p>
-            <a:pPr marL="342900" indent="-342900" algn="l">
-              <a:buFont typeface="Arial"/>
-              <a:buChar char="•"/>
-            </a:pPr>
-            <a:r>
-              <a:rPr lang="en-US" sz="2000" dirty="0" smtClean="0"/>
-              <a:t>Mark significant </a:t>
-            </a:r>
-            <a:r>
-              <a:rPr lang="en-US" sz="2000" dirty="0"/>
-              <a:t>actions with .navigate(fragment, [options]) </a:t>
-            </a:r>
-            <a:endParaRPr lang="en-US" sz="2000" dirty="0" smtClean="0"/>
-          </a:p>
-          <a:p>
-            <a:pPr marL="800100" lvl="1" indent="-342900" algn="l">
-              <a:buFont typeface="Arial"/>
-              <a:buChar char="•"/>
-            </a:pPr>
-            <a:r>
-              <a:rPr lang="en-US" sz="1600" dirty="0" smtClean="0"/>
-              <a:t>:</a:t>
-            </a:r>
-            <a:r>
-              <a:rPr lang="en-US" sz="1600" dirty="0" err="1" smtClean="0"/>
-              <a:t>params</a:t>
-            </a:r>
-            <a:r>
-              <a:rPr lang="en-US" sz="1600" dirty="0" smtClean="0"/>
-              <a:t> for one section</a:t>
-            </a:r>
-          </a:p>
-          <a:p>
-            <a:pPr marL="800100" lvl="1" indent="-342900" algn="l">
-              <a:buFont typeface="Arial"/>
-              <a:buChar char="•"/>
-            </a:pPr>
-            <a:r>
-              <a:rPr lang="en-US" sz="1600" dirty="0" smtClean="0"/>
-              <a:t>*splats for multiple</a:t>
-            </a:r>
-          </a:p>
-          <a:p>
-            <a:pPr marL="800100" lvl="1" indent="-342900" algn="l">
-              <a:buFont typeface="Arial"/>
-              <a:buChar char="•"/>
-            </a:pPr>
-            <a:r>
-              <a:rPr lang="en-US" sz="1600" dirty="0" smtClean="0"/>
-              <a:t>Nest with parentheses</a:t>
-            </a:r>
-          </a:p>
-          <a:p>
-            <a:pPr marL="800100" lvl="1" indent="-342900" algn="l">
-              <a:buFont typeface="Arial"/>
-              <a:buChar char="•"/>
-            </a:pPr>
-            <a:r>
-              <a:rPr lang="en-US" sz="1600" dirty="0" smtClean="0"/>
-              <a:t>Note slashes count as unique </a:t>
-            </a:r>
-            <a:r>
-              <a:rPr lang="en-US" sz="1600" dirty="0" smtClean="0"/>
-              <a:t>URIs</a:t>
-            </a:r>
-            <a:endParaRPr lang="en-US" sz="1600" dirty="0" smtClean="0"/>
+              <a:t>Hook up view to collection events</a:t>
+            </a:r>
+            <a:endParaRPr lang="en-US" sz="2000" dirty="0"/>
           </a:p>
         </p:txBody>
       </p:sp>
     </p:spTree>
     <p:extLst>
       <p:ext uri="{BB962C8B-B14F-4D97-AF65-F5344CB8AC3E}">
-        <p14:creationId xmlns:p14="http://schemas.microsoft.com/office/powerpoint/2010/main" val="2791365468"/>
+        <p14:creationId xmlns:p14="http://schemas.microsoft.com/office/powerpoint/2010/main" val="3523914633"/>
       </p:ext>
     </p:extLst>
   </p:cSld>
@@ -3474,7 +3356,7 @@
           <a:p>
             <a:r>
               <a:rPr lang="en-US" dirty="0" smtClean="0"/>
-              <a:t>Lab: Backbone Routing</a:t>
+              <a:t>Why Marionette?</a:t>
             </a:r>
             <a:endParaRPr lang="en-US" dirty="0"/>
           </a:p>
@@ -3508,7 +3390,27 @@
             </a:pPr>
             <a:r>
               <a:rPr lang="en-US" sz="2000" dirty="0" smtClean="0"/>
-              <a:t>Hook up routes to an action</a:t>
+              <a:t>Patterns in plain Backbone start to get redundant</a:t>
+            </a:r>
+          </a:p>
+          <a:p>
+            <a:pPr marL="800100" lvl="1" indent="-342900" algn="l">
+              <a:buFont typeface="Arial"/>
+              <a:buChar char="•"/>
+            </a:pPr>
+            <a:r>
+              <a:rPr lang="en-US" sz="1600" dirty="0" smtClean="0"/>
+              <a:t>Connecting view renders to collection events</a:t>
+            </a:r>
+          </a:p>
+          <a:p>
+            <a:pPr marL="800100" lvl="1" indent="-342900" algn="l">
+              <a:buFont typeface="Arial"/>
+              <a:buChar char="•"/>
+            </a:pPr>
+            <a:r>
+              <a:rPr lang="en-US" sz="1600" dirty="0" smtClean="0"/>
+              <a:t>De-referencing views when model removed</a:t>
             </a:r>
           </a:p>
           <a:p>
@@ -3518,145 +3420,381 @@
             </a:pPr>
             <a:r>
               <a:rPr lang="en-US" sz="2000" dirty="0" smtClean="0"/>
-              <a:t>Suggested action: dynamically hide / show elements </a:t>
-            </a:r>
-            <a:endParaRPr lang="en-US" sz="2000" dirty="0" smtClean="0"/>
+              <a:t>Backbone doesn't provide higher-level structure</a:t>
+            </a:r>
+          </a:p>
+          <a:p>
+            <a:pPr marL="800100" lvl="1" indent="-342900" algn="l">
+              <a:buFont typeface="Arial"/>
+              <a:buChar char="•"/>
+            </a:pPr>
+            <a:r>
+              <a:rPr lang="en-US" sz="1600" dirty="0" smtClean="0"/>
+              <a:t>Application structure</a:t>
+            </a:r>
+          </a:p>
+          <a:p>
+            <a:pPr marL="800100" lvl="1" indent="-342900" algn="l">
+              <a:buFont typeface="Arial"/>
+              <a:buChar char="•"/>
+            </a:pPr>
+            <a:r>
+              <a:rPr lang="en-US" sz="1600" dirty="0" smtClean="0"/>
+              <a:t>App setup / </a:t>
+            </a:r>
+            <a:r>
+              <a:rPr lang="en-US" sz="1600" dirty="0" err="1" smtClean="0"/>
+              <a:t>init</a:t>
+            </a:r>
+            <a:endParaRPr lang="en-US" sz="1600" dirty="0" smtClean="0"/>
+          </a:p>
+          <a:p>
+            <a:pPr marL="800100" lvl="1" indent="-342900" algn="l">
+              <a:buFont typeface="Arial"/>
+              <a:buChar char="•"/>
+            </a:pPr>
+            <a:r>
+              <a:rPr lang="en-US" sz="1600" dirty="0" smtClean="0"/>
+              <a:t>External data load</a:t>
+            </a:r>
+          </a:p>
+          <a:p>
+            <a:pPr marL="800100" lvl="1" indent="-342900" algn="l">
+              <a:buFont typeface="Arial"/>
+              <a:buChar char="•"/>
+            </a:pPr>
+            <a:r>
+              <a:rPr lang="en-US" sz="1600" dirty="0" smtClean="0"/>
+              <a:t>Sharing code between components</a:t>
+            </a:r>
           </a:p>
           <a:p>
             <a:pPr marL="342900" indent="-342900" algn="l">
               <a:buFont typeface="Arial"/>
               <a:buChar char="•"/>
             </a:pPr>
-            <a:endParaRPr lang="en-US" sz="2000" dirty="0"/>
-          </a:p>
-          <a:p>
-            <a:pPr algn="l"/>
-            <a:r>
-              <a:rPr lang="en-US" sz="2000" dirty="0" err="1"/>
-              <a:t>var</a:t>
-            </a:r>
-            <a:r>
-              <a:rPr lang="en-US" sz="2000" dirty="0"/>
-              <a:t> Workspace = </a:t>
-            </a:r>
-            <a:r>
-              <a:rPr lang="en-US" sz="2000" dirty="0" err="1"/>
-              <a:t>Backbone.Router.extend</a:t>
-            </a:r>
-            <a:r>
-              <a:rPr lang="en-US" sz="2000" dirty="0"/>
-              <a:t>(</a:t>
-            </a:r>
-            <a:r>
-              <a:rPr lang="en-US" sz="2000" dirty="0" smtClean="0"/>
-              <a:t>{</a:t>
-            </a:r>
-            <a:endParaRPr lang="en-US" sz="2000" dirty="0"/>
-          </a:p>
-          <a:p>
-            <a:pPr algn="l"/>
-            <a:r>
-              <a:rPr lang="en-US" sz="2000" dirty="0"/>
-              <a:t>  routes: {</a:t>
-            </a:r>
-          </a:p>
-          <a:p>
-            <a:pPr algn="l"/>
-            <a:r>
-              <a:rPr lang="en-US" sz="2000" dirty="0"/>
-              <a:t>    "</a:t>
-            </a:r>
-            <a:r>
-              <a:rPr lang="en-US" sz="2000" dirty="0" smtClean="0"/>
-              <a:t>help/:subject(/:</a:t>
-            </a:r>
-            <a:r>
-              <a:rPr lang="en-US" sz="2000" dirty="0" err="1" smtClean="0"/>
-              <a:t>pagenumber</a:t>
-            </a:r>
-            <a:r>
-              <a:rPr lang="en-US" sz="2000" dirty="0" smtClean="0"/>
-              <a:t>)"</a:t>
-            </a:r>
-            <a:r>
-              <a:rPr lang="en-US" sz="2000" dirty="0"/>
-              <a:t>: </a:t>
-            </a:r>
-            <a:r>
-              <a:rPr lang="en-US" sz="2000" dirty="0" smtClean="0"/>
-              <a:t>"help"</a:t>
-            </a:r>
-            <a:r>
-              <a:rPr lang="en-US" sz="2000" dirty="0"/>
-              <a:t>,    // </a:t>
-            </a:r>
-            <a:r>
-              <a:rPr lang="en-US" sz="2000" dirty="0" smtClean="0"/>
-              <a:t>.help( subject, [</a:t>
-            </a:r>
-            <a:r>
-              <a:rPr lang="en-US" sz="2000" dirty="0" err="1" smtClean="0"/>
-              <a:t>pagenumber</a:t>
-            </a:r>
-            <a:r>
-              <a:rPr lang="en-US" sz="2000" dirty="0" smtClean="0"/>
-              <a:t>] )</a:t>
-            </a:r>
-            <a:endParaRPr lang="en-US" sz="2000" dirty="0"/>
-          </a:p>
-          <a:p>
-            <a:pPr algn="l"/>
-            <a:r>
-              <a:rPr lang="en-US" sz="2000" dirty="0"/>
-              <a:t>    </a:t>
-            </a:r>
-            <a:r>
-              <a:rPr lang="en-US" sz="2000" dirty="0" smtClean="0"/>
-              <a:t>"</a:t>
-            </a:r>
-            <a:r>
-              <a:rPr lang="en-US" sz="2000" dirty="0" err="1" smtClean="0"/>
-              <a:t>filesearch</a:t>
-            </a:r>
-            <a:r>
-              <a:rPr lang="en-US" sz="2000" dirty="0" smtClean="0"/>
-              <a:t>/*path"</a:t>
-            </a:r>
-            <a:r>
-              <a:rPr lang="en-US" sz="2000" dirty="0"/>
-              <a:t>: </a:t>
-            </a:r>
-            <a:r>
-              <a:rPr lang="en-US" sz="2000" dirty="0" smtClean="0"/>
-              <a:t>"</a:t>
-            </a:r>
-            <a:r>
-              <a:rPr lang="en-US" sz="2000" dirty="0" err="1" smtClean="0"/>
-              <a:t>fsHelper</a:t>
-            </a:r>
-            <a:r>
-              <a:rPr lang="en-US" sz="2000" dirty="0" smtClean="0"/>
-              <a:t>"</a:t>
-            </a:r>
-            <a:r>
-              <a:rPr lang="en-US" sz="2000" dirty="0"/>
-              <a:t>,  // </a:t>
-            </a:r>
-            <a:r>
-              <a:rPr lang="en-US" sz="2000" dirty="0" err="1" smtClean="0"/>
-              <a:t>fsHelper</a:t>
-            </a:r>
-            <a:r>
-              <a:rPr lang="en-US" sz="2000" dirty="0" smtClean="0"/>
-              <a:t> gets passed 'more/than/1/slash/'</a:t>
-            </a:r>
+            <a:r>
+              <a:rPr lang="en-US" sz="2000" dirty="0" smtClean="0"/>
+              <a:t>Backbone doesn't provide support for more complex layouts</a:t>
+            </a:r>
+          </a:p>
+          <a:p>
+            <a:pPr marL="800100" lvl="1" indent="-342900" algn="l">
+              <a:buFont typeface="Arial"/>
+              <a:buChar char="•"/>
+            </a:pPr>
+            <a:r>
+              <a:rPr lang="en-US" sz="1600" dirty="0" smtClean="0"/>
+              <a:t>Nested relationships</a:t>
+            </a:r>
+          </a:p>
+          <a:p>
+            <a:pPr marL="800100" lvl="1" indent="-342900" algn="l">
+              <a:buFont typeface="Arial"/>
+              <a:buChar char="•"/>
+            </a:pPr>
+            <a:r>
+              <a:rPr lang="en-US" sz="1600" dirty="0" smtClean="0"/>
+              <a:t>Swap out views within same page area</a:t>
+            </a:r>
+            <a:endParaRPr lang="en-US" sz="1600" dirty="0" smtClean="0"/>
           </a:p>
         </p:txBody>
       </p:sp>
     </p:spTree>
     <p:extLst>
       <p:ext uri="{BB962C8B-B14F-4D97-AF65-F5344CB8AC3E}">
-        <p14:creationId xmlns:p14="http://schemas.microsoft.com/office/powerpoint/2010/main" val="1752611758"/>
+        <p14:creationId xmlns:p14="http://schemas.microsoft.com/office/powerpoint/2010/main" val="2677506094"/>
+      </p:ext>
+    </p:extLst>
+  </p:cSld>
+  <p:clrMapOvr>
+    <a:masterClrMapping/>
+  </p:clrMapOvr>
+  <p:timing>
+    <p:tnLst>
+      <p:par>
+        <p:cTn xmlns:p14="http://schemas.microsoft.com/office/powerpoint/2010/main" id="1" dur="indefinite" restart="never" nodeType="tmRoot"/>
+      </p:par>
+    </p:tnLst>
+  </p:timing>
+</p:sld>
+</file>
+
+<file path=ppt/slides/slide12.xml><?xml version="1.0" encoding="utf-8"?>
+<p:sld xmlns:a="http://schemas.openxmlformats.org/drawingml/2006/main" xmlns:r="http://schemas.openxmlformats.org/officeDocument/2006/relationships" xmlns:p="http://schemas.openxmlformats.org/presentationml/2006/main">
+  <p:cSld>
+    <p:spTree>
+      <p:nvGrpSpPr>
+        <p:cNvPr id="1" name=""/>
+        <p:cNvGrpSpPr/>
+        <p:nvPr/>
+      </p:nvGrpSpPr>
+      <p:grpSpPr>
+        <a:xfrm>
+          <a:off x="0" y="0"/>
+          <a:ext cx="0" cy="0"/>
+          <a:chOff x="0" y="0"/>
+          <a:chExt cx="0" cy="0"/>
+        </a:xfrm>
+      </p:grpSpPr>
+      <p:sp>
+        <p:nvSpPr>
+          <p:cNvPr id="2" name="Title 1"/>
+          <p:cNvSpPr>
+            <a:spLocks noGrp="1"/>
+          </p:cNvSpPr>
+          <p:nvPr>
+            <p:ph type="ctrTitle"/>
+          </p:nvPr>
+        </p:nvSpPr>
+        <p:spPr>
+          <a:xfrm>
+            <a:off x="685800" y="160685"/>
+            <a:ext cx="7772400" cy="1470025"/>
+          </a:xfrm>
+        </p:spPr>
+        <p:txBody>
+          <a:bodyPr/>
+          <a:lstStyle/>
+          <a:p>
+            <a:r>
+              <a:rPr lang="en-US" dirty="0" smtClean="0"/>
+              <a:t>Marionette solutions</a:t>
+            </a:r>
+            <a:endParaRPr lang="en-US" dirty="0"/>
+          </a:p>
+        </p:txBody>
+      </p:sp>
+      <p:sp>
+        <p:nvSpPr>
+          <p:cNvPr id="3" name="Subtitle 2"/>
+          <p:cNvSpPr>
+            <a:spLocks noGrp="1"/>
+          </p:cNvSpPr>
+          <p:nvPr>
+            <p:ph type="subTitle" idx="1"/>
+          </p:nvPr>
+        </p:nvSpPr>
+        <p:spPr>
+          <a:xfrm>
+            <a:off x="454651" y="1630710"/>
+            <a:ext cx="8371875" cy="4609893"/>
+          </a:xfrm>
+        </p:spPr>
+        <p:txBody>
+          <a:bodyPr>
+            <a:normAutofit/>
+          </a:bodyPr>
+          <a:lstStyle/>
+          <a:p>
+            <a:pPr marL="342900" indent="-342900" algn="l">
+              <a:buFont typeface="Arial"/>
+              <a:buChar char="•"/>
+            </a:pPr>
+            <a:r>
+              <a:rPr lang="en-US" sz="2000" dirty="0" err="1" smtClean="0"/>
+              <a:t>CollectionView</a:t>
+            </a:r>
+            <a:r>
+              <a:rPr lang="en-US" sz="2000" dirty="0" smtClean="0"/>
+              <a:t>: Sets up defaults for </a:t>
+            </a:r>
+            <a:r>
+              <a:rPr lang="en-US" sz="2000" dirty="0"/>
+              <a:t>common </a:t>
+            </a:r>
+            <a:r>
+              <a:rPr lang="en-US" sz="2000" dirty="0" smtClean="0"/>
+              <a:t>collection events</a:t>
+            </a:r>
+          </a:p>
+          <a:p>
+            <a:pPr marL="342900" indent="-342900" algn="l">
+              <a:buFont typeface="Arial"/>
+              <a:buChar char="•"/>
+            </a:pPr>
+            <a:r>
+              <a:rPr lang="en-US" sz="2000" dirty="0" smtClean="0"/>
+              <a:t>View: </a:t>
+            </a:r>
+            <a:r>
+              <a:rPr lang="en-US" sz="2000" dirty="0" err="1" smtClean="0"/>
+              <a:t>M'nette</a:t>
+            </a:r>
+            <a:r>
+              <a:rPr lang="en-US" sz="2000" dirty="0" smtClean="0"/>
+              <a:t> extends BB View, adding auto features</a:t>
+            </a:r>
+          </a:p>
+          <a:p>
+            <a:pPr marL="342900" indent="-342900" algn="l">
+              <a:buFont typeface="Arial"/>
+              <a:buChar char="•"/>
+            </a:pPr>
+            <a:r>
+              <a:rPr lang="en-US" sz="2000" dirty="0" smtClean="0"/>
+              <a:t>Application: provides 'start' event, hook to Router</a:t>
+            </a:r>
+            <a:endParaRPr lang="en-US" sz="2000" dirty="0" smtClean="0"/>
+          </a:p>
+          <a:p>
+            <a:pPr marL="342900" indent="-342900" algn="l">
+              <a:buFont typeface="Arial"/>
+              <a:buChar char="•"/>
+            </a:pPr>
+            <a:r>
+              <a:rPr lang="en-US" sz="2000" dirty="0" smtClean="0"/>
+              <a:t>Behaviors: share code between components</a:t>
+            </a:r>
+          </a:p>
+          <a:p>
+            <a:pPr marL="342900" indent="-342900" algn="l">
+              <a:buFont typeface="Arial"/>
+              <a:buChar char="•"/>
+            </a:pPr>
+            <a:r>
+              <a:rPr lang="en-US" sz="2000" dirty="0" smtClean="0"/>
+              <a:t>Regions: </a:t>
+            </a:r>
+            <a:r>
+              <a:rPr lang="en-US" sz="2000" dirty="0"/>
+              <a:t>s</a:t>
+            </a:r>
+            <a:r>
+              <a:rPr lang="en-US" sz="2000" dirty="0" smtClean="0"/>
+              <a:t>wap out views within same page area</a:t>
+            </a:r>
+            <a:endParaRPr lang="en-US" sz="2000" dirty="0" smtClean="0"/>
+          </a:p>
+        </p:txBody>
+      </p:sp>
+    </p:spTree>
+    <p:extLst>
+      <p:ext uri="{BB962C8B-B14F-4D97-AF65-F5344CB8AC3E}">
+        <p14:creationId xmlns:p14="http://schemas.microsoft.com/office/powerpoint/2010/main" val="421552072"/>
+      </p:ext>
+    </p:extLst>
+  </p:cSld>
+  <p:clrMapOvr>
+    <a:masterClrMapping/>
+  </p:clrMapOvr>
+  <p:timing>
+    <p:tnLst>
+      <p:par>
+        <p:cTn xmlns:p14="http://schemas.microsoft.com/office/powerpoint/2010/main" id="1" dur="indefinite" restart="never" nodeType="tmRoot"/>
+      </p:par>
+    </p:tnLst>
+  </p:timing>
+</p:sld>
+</file>
+
+<file path=ppt/slides/slide13.xml><?xml version="1.0" encoding="utf-8"?>
+<p:sld xmlns:a="http://schemas.openxmlformats.org/drawingml/2006/main" xmlns:r="http://schemas.openxmlformats.org/officeDocument/2006/relationships" xmlns:p="http://schemas.openxmlformats.org/presentationml/2006/main">
+  <p:cSld>
+    <p:spTree>
+      <p:nvGrpSpPr>
+        <p:cNvPr id="1" name=""/>
+        <p:cNvGrpSpPr/>
+        <p:nvPr/>
+      </p:nvGrpSpPr>
+      <p:grpSpPr>
+        <a:xfrm>
+          <a:off x="0" y="0"/>
+          <a:ext cx="0" cy="0"/>
+          <a:chOff x="0" y="0"/>
+          <a:chExt cx="0" cy="0"/>
+        </a:xfrm>
+      </p:grpSpPr>
+      <p:sp>
+        <p:nvSpPr>
+          <p:cNvPr id="2" name="Title 1"/>
+          <p:cNvSpPr>
+            <a:spLocks noGrp="1"/>
+          </p:cNvSpPr>
+          <p:nvPr>
+            <p:ph type="ctrTitle"/>
+          </p:nvPr>
+        </p:nvSpPr>
+        <p:spPr>
+          <a:xfrm>
+            <a:off x="685800" y="160685"/>
+            <a:ext cx="7772400" cy="1470025"/>
+          </a:xfrm>
+        </p:spPr>
+        <p:txBody>
+          <a:bodyPr/>
+          <a:lstStyle/>
+          <a:p>
+            <a:r>
+              <a:rPr lang="en-US" dirty="0" smtClean="0"/>
+              <a:t>Lab: switch to Marionette</a:t>
+            </a:r>
+            <a:endParaRPr lang="en-US" dirty="0"/>
+          </a:p>
+        </p:txBody>
+      </p:sp>
+      <p:sp>
+        <p:nvSpPr>
+          <p:cNvPr id="3" name="Subtitle 2"/>
+          <p:cNvSpPr>
+            <a:spLocks noGrp="1"/>
+          </p:cNvSpPr>
+          <p:nvPr>
+            <p:ph type="subTitle" idx="1"/>
+          </p:nvPr>
+        </p:nvSpPr>
+        <p:spPr>
+          <a:xfrm>
+            <a:off x="454651" y="1630710"/>
+            <a:ext cx="8371875" cy="4609893"/>
+          </a:xfrm>
+        </p:spPr>
+        <p:txBody>
+          <a:bodyPr>
+            <a:normAutofit/>
+          </a:bodyPr>
+          <a:lstStyle/>
+          <a:p>
+            <a:pPr marL="342900" indent="-342900" algn="l">
+              <a:buFont typeface="Arial"/>
+              <a:buChar char="•"/>
+            </a:pPr>
+            <a:r>
+              <a:rPr lang="en-US" sz="2000" dirty="0" smtClean="0"/>
+              <a:t>Change existing app to use View and </a:t>
+            </a:r>
+            <a:r>
+              <a:rPr lang="en-US" sz="2000" dirty="0" err="1" smtClean="0"/>
+              <a:t>CollectionView</a:t>
+            </a:r>
+            <a:endParaRPr lang="en-US" sz="2000" dirty="0" smtClean="0"/>
+          </a:p>
+          <a:p>
+            <a:pPr marL="342900" indent="-342900" algn="l">
+              <a:buFont typeface="Arial"/>
+              <a:buChar char="•"/>
+            </a:pPr>
+            <a:r>
+              <a:rPr lang="en-US" sz="2000" dirty="0" smtClean="0"/>
+              <a:t>Structure app under Application and </a:t>
+            </a:r>
+            <a:r>
+              <a:rPr lang="en-US" sz="2000" dirty="0" err="1" smtClean="0"/>
+              <a:t>config</a:t>
+            </a:r>
+            <a:r>
+              <a:rPr lang="en-US" sz="2000" dirty="0" smtClean="0"/>
+              <a:t> 'start' event</a:t>
+            </a:r>
+            <a:endParaRPr lang="en-US" sz="2000" dirty="0" smtClean="0"/>
+          </a:p>
+        </p:txBody>
+      </p:sp>
+    </p:spTree>
+    <p:extLst>
+      <p:ext uri="{BB962C8B-B14F-4D97-AF65-F5344CB8AC3E}">
+        <p14:creationId xmlns:p14="http://schemas.microsoft.com/office/powerpoint/2010/main" val="3970540225"/>
       </p:ext>
     </p:extLst>
   </p:cSld>
@@ -3712,15 +3850,7 @@
           <a:p>
             <a:r>
               <a:rPr lang="en-US" dirty="0" smtClean="0"/>
-              <a:t>Day </a:t>
-            </a:r>
-            <a:r>
-              <a:rPr lang="en-US" dirty="0" smtClean="0"/>
-              <a:t>2 </a:t>
-            </a:r>
-            <a:r>
-              <a:rPr lang="en-US" dirty="0" smtClean="0"/>
-              <a:t>Schedule</a:t>
+              <a:t>Day 2 Schedule</a:t>
             </a:r>
             <a:endParaRPr lang="en-US" dirty="0"/>
           </a:p>
@@ -3763,8 +3893,8 @@
               <a:buChar char="•"/>
             </a:pPr>
             <a:r>
-              <a:rPr lang="en-US" dirty="0" smtClean="0"/>
-              <a:t>Views</a:t>
+              <a:rPr lang="en-US" dirty="0"/>
+              <a:t>Views and Templates</a:t>
             </a:r>
           </a:p>
           <a:p>
@@ -3776,7 +3906,6 @@
               <a:rPr lang="en-US" dirty="0"/>
               <a:t>Collections</a:t>
             </a:r>
-            <a:endParaRPr lang="en-US" dirty="0" smtClean="0"/>
           </a:p>
           <a:p>
             <a:pPr marL="457200" indent="-457200" algn="l">
@@ -3784,10 +3913,9 @@
               <a:buChar char="•"/>
             </a:pPr>
             <a:r>
-              <a:rPr lang="en-US" dirty="0" smtClean="0"/>
+              <a:rPr lang="en-US" dirty="0"/>
               <a:t>Lunch</a:t>
             </a:r>
-            <a:endParaRPr lang="en-US" dirty="0"/>
           </a:p>
           <a:p>
             <a:pPr marL="457200" indent="-457200" algn="l">
@@ -3796,7 +3924,7 @@
             </a:pPr>
             <a:r>
               <a:rPr lang="en-US" dirty="0"/>
-              <a:t>Routing</a:t>
+              <a:t>Marionette</a:t>
             </a:r>
             <a:endParaRPr lang="en-US" dirty="0"/>
           </a:p>
@@ -4041,7 +4169,7 @@
         </p:spPr>
         <p:txBody>
           <a:bodyPr>
-            <a:normAutofit lnSpcReduction="10000"/>
+            <a:normAutofit fontScale="92500"/>
           </a:bodyPr>
           <a:lstStyle/>
           <a:p>
@@ -4234,39 +4362,19 @@
             </a:r>
             <a:r>
               <a:rPr lang="en-US" sz="2000" dirty="0"/>
-              <a:t>: function () </a:t>
-            </a:r>
-            <a:r>
-              <a:rPr lang="en-US" sz="2000" dirty="0" smtClean="0"/>
-              <a:t>{ </a:t>
+              <a:t>: </a:t>
+            </a:r>
+            <a:r>
+              <a:rPr lang="en-US" sz="2000" dirty="0" smtClean="0"/>
+              <a:t>_.template( $( '#template-embedded' ).html(), </a:t>
             </a:r>
             <a:r>
               <a:rPr lang="en-US" sz="2000" dirty="0" err="1" smtClean="0"/>
-              <a:t>Handlebars.compile</a:t>
-            </a:r>
-            <a:r>
-              <a:rPr lang="en-US" sz="2000" dirty="0"/>
-              <a:t>( $("</a:t>
-            </a:r>
-            <a:r>
-              <a:rPr lang="en-US" sz="2000" dirty="0" smtClean="0"/>
-              <a:t>#</a:t>
-            </a:r>
-            <a:r>
-              <a:rPr lang="en-US" sz="2000" dirty="0" err="1" smtClean="0"/>
-              <a:t>dr</a:t>
-            </a:r>
-            <a:r>
-              <a:rPr lang="en-US" sz="2000" dirty="0" smtClean="0"/>
-              <a:t>-template</a:t>
-            </a:r>
-            <a:r>
-              <a:rPr lang="en-US" sz="2000" dirty="0"/>
-              <a:t>").html() )</a:t>
-            </a:r>
-            <a:r>
-              <a:rPr lang="en-US" sz="2000" dirty="0" smtClean="0"/>
-              <a:t>; }</a:t>
+              <a:t>this.model.attributes</a:t>
+            </a:r>
+            <a:r>
+              <a:rPr lang="en-US" sz="2000" dirty="0" smtClean="0"/>
+              <a:t> ),</a:t>
             </a:r>
             <a:endParaRPr lang="en-US" sz="2000" dirty="0"/>
           </a:p>
@@ -4302,7 +4410,11 @@
             </a:r>
             <a:r>
               <a:rPr lang="en-US" sz="2000" dirty="0" smtClean="0"/>
-              <a:t>(); ) }</a:t>
+              <a:t> </a:t>
+            </a:r>
+            <a:r>
+              <a:rPr lang="en-US" sz="2000" dirty="0" smtClean="0"/>
+              <a:t>) }</a:t>
             </a:r>
             <a:endParaRPr lang="en-US" sz="2000" dirty="0"/>
           </a:p>
@@ -4379,7 +4491,7 @@
           <a:p>
             <a:r>
               <a:rPr lang="en-US" dirty="0" smtClean="0"/>
-              <a:t>Lab: Let's start a SPA</a:t>
+              <a:t>Underscore Templates</a:t>
             </a:r>
             <a:endParaRPr lang="en-US" dirty="0"/>
           </a:p>
@@ -4403,19 +4515,130 @@
         </p:spPr>
         <p:txBody>
           <a:bodyPr>
-            <a:normAutofit/>
+            <a:normAutofit lnSpcReduction="10000"/>
           </a:bodyPr>
           <a:lstStyle/>
+          <a:p>
+            <a:pPr algn="l"/>
+            <a:r>
+              <a:rPr lang="en-US" sz="2000" dirty="0"/>
+              <a:t> &lt;script type="x-template/underscore" id="song-view-template"&gt;</a:t>
+            </a:r>
+          </a:p>
+          <a:p>
+            <a:pPr algn="l"/>
+            <a:r>
+              <a:rPr lang="en-US" sz="2000" dirty="0" smtClean="0"/>
+              <a:t>    &lt;% _.</a:t>
+            </a:r>
+            <a:r>
+              <a:rPr lang="en-US" sz="2000" dirty="0" err="1"/>
+              <a:t>forEach</a:t>
+            </a:r>
+            <a:r>
+              <a:rPr lang="en-US" sz="2000" dirty="0" smtClean="0"/>
+              <a:t>( </a:t>
+            </a:r>
+            <a:r>
+              <a:rPr lang="en-US" sz="2000" dirty="0" err="1" smtClean="0"/>
+              <a:t>obj</a:t>
+            </a:r>
+            <a:r>
+              <a:rPr lang="en-US" sz="2000" dirty="0" smtClean="0"/>
+              <a:t>, </a:t>
+            </a:r>
+            <a:r>
+              <a:rPr lang="en-US" sz="2000" dirty="0"/>
+              <a:t>function </a:t>
+            </a:r>
+            <a:r>
+              <a:rPr lang="en-US" sz="2000" dirty="0" smtClean="0"/>
+              <a:t>( prop ) %&gt;</a:t>
+            </a:r>
+            <a:endParaRPr lang="en-US" sz="2000" dirty="0"/>
+          </a:p>
+          <a:p>
+            <a:pPr algn="l"/>
+            <a:r>
+              <a:rPr lang="en-US" sz="2000" dirty="0"/>
+              <a:t>        </a:t>
+            </a:r>
+            <a:r>
+              <a:rPr lang="en-US" sz="2000" dirty="0" smtClean="0"/>
+              <a:t>&lt;%</a:t>
+            </a:r>
+            <a:r>
+              <a:rPr lang="en-US" sz="2000" dirty="0"/>
+              <a:t>-</a:t>
+            </a:r>
+            <a:r>
+              <a:rPr lang="en-US" sz="2000" dirty="0" smtClean="0"/>
+              <a:t> prop %&gt;</a:t>
+            </a:r>
+            <a:endParaRPr lang="en-US" sz="2000" dirty="0"/>
+          </a:p>
+          <a:p>
+            <a:pPr algn="l"/>
+            <a:r>
+              <a:rPr lang="en-US" sz="2000" dirty="0"/>
+              <a:t>    </a:t>
+            </a:r>
+            <a:r>
+              <a:rPr lang="en-US" sz="2000" dirty="0" smtClean="0"/>
+              <a:t>&lt;% }) %&gt;</a:t>
+            </a:r>
+          </a:p>
+          <a:p>
+            <a:pPr algn="l"/>
+            <a:r>
+              <a:rPr lang="en-US" sz="2000" dirty="0" smtClean="0"/>
+              <a:t>    &lt;%= </a:t>
+            </a:r>
+            <a:r>
+              <a:rPr lang="en-US" sz="2000" dirty="0" err="1" smtClean="0"/>
+              <a:t>generateButtonHTML</a:t>
+            </a:r>
+            <a:r>
+              <a:rPr lang="en-US" sz="2000" dirty="0" smtClean="0"/>
+              <a:t>() %&gt;</a:t>
+            </a:r>
+          </a:p>
+          <a:p>
+            <a:pPr algn="l"/>
+            <a:r>
+              <a:rPr lang="en-US" sz="2000" dirty="0" smtClean="0"/>
+              <a:t>&lt;</a:t>
+            </a:r>
+            <a:r>
+              <a:rPr lang="en-US" sz="2000" dirty="0"/>
+              <a:t>/script</a:t>
+            </a:r>
+            <a:r>
+              <a:rPr lang="en-US" sz="2000" dirty="0" smtClean="0"/>
+              <a:t>&gt;</a:t>
+            </a:r>
+          </a:p>
+          <a:p>
+            <a:pPr algn="l"/>
+            <a:endParaRPr lang="en-US" sz="2000" dirty="0"/>
+          </a:p>
           <a:p>
             <a:pPr marL="342900" indent="-342900" algn="l">
               <a:buFont typeface="Arial"/>
               <a:buChar char="•"/>
             </a:pPr>
             <a:r>
-              <a:rPr lang="en-US" sz="2400" dirty="0" smtClean="0"/>
-              <a:t>Create View and Template</a:t>
-            </a:r>
-            <a:endParaRPr lang="en-US" sz="2400" dirty="0"/>
+              <a:rPr lang="en-US" sz="2000" dirty="0" smtClean="0"/>
+              <a:t>Use &lt;%= only for </a:t>
+            </a:r>
+            <a:r>
+              <a:rPr lang="en-US" sz="2000" dirty="0" err="1" smtClean="0"/>
+              <a:t>unescaped</a:t>
+            </a:r>
+            <a:r>
+              <a:rPr lang="en-US" sz="2000" dirty="0" smtClean="0"/>
+              <a:t> HTML</a:t>
+            </a:r>
           </a:p>
           <a:p>
             <a:pPr marL="342900" indent="-342900" algn="l">
@@ -4423,17 +4646,107 @@
               <a:buChar char="•"/>
             </a:pPr>
             <a:r>
-              <a:rPr lang="en-US" sz="2400" dirty="0" smtClean="0"/>
-              <a:t>Connect View to Model events</a:t>
-            </a:r>
-            <a:endParaRPr lang="en-US" sz="2400" dirty="0"/>
+              <a:rPr lang="en-US" sz="2000" dirty="0" smtClean="0"/>
+              <a:t>All else use &lt;%- (escaped)  or &lt;% (no output)</a:t>
+            </a:r>
+          </a:p>
+          <a:p>
+            <a:pPr marL="342900" indent="-342900" algn="l">
+              <a:buFont typeface="Arial"/>
+              <a:buChar char="•"/>
+            </a:pPr>
+            <a:r>
+              <a:rPr lang="en-US" sz="2000" dirty="0" smtClean="0"/>
+              <a:t>Refer to passed in data via '</a:t>
+            </a:r>
+            <a:r>
+              <a:rPr lang="en-US" sz="2000" dirty="0" err="1" smtClean="0"/>
+              <a:t>obj</a:t>
+            </a:r>
+            <a:r>
+              <a:rPr lang="en-US" sz="2000" dirty="0" smtClean="0"/>
+              <a:t>'</a:t>
+            </a:r>
+          </a:p>
+          <a:p>
+            <a:pPr marL="800100" lvl="1" indent="-342900" algn="l">
+              <a:buFont typeface="Arial"/>
+              <a:buChar char="•"/>
+            </a:pPr>
+            <a:r>
+              <a:rPr lang="en-US" sz="1600" dirty="0" smtClean="0"/>
+              <a:t>can </a:t>
+            </a:r>
+            <a:r>
+              <a:rPr lang="en-US" sz="1600" dirty="0"/>
+              <a:t>override </a:t>
+            </a:r>
+            <a:r>
+              <a:rPr lang="en-US" sz="1600" dirty="0" smtClean="0"/>
+              <a:t>name via </a:t>
+            </a:r>
+            <a:r>
+              <a:rPr lang="en-US" sz="1600" dirty="0" err="1" smtClean="0"/>
+              <a:t>templateSettings</a:t>
+            </a:r>
+            <a:r>
+              <a:rPr lang="en-US" sz="1600" dirty="0" smtClean="0"/>
+              <a:t>, but then use required</a:t>
+            </a:r>
+          </a:p>
+          <a:p>
+            <a:pPr marL="800100" lvl="1" indent="-342900" algn="l">
+              <a:buFont typeface="Arial"/>
+              <a:buChar char="•"/>
+            </a:pPr>
+            <a:r>
+              <a:rPr lang="en-US" sz="1600" dirty="0" smtClean="0"/>
+              <a:t>overriding default can enhance performance</a:t>
+            </a:r>
+          </a:p>
+          <a:p>
+            <a:pPr marL="342900" indent="-342900" algn="l">
+              <a:buFont typeface="Arial"/>
+              <a:buChar char="•"/>
+            </a:pPr>
+            <a:r>
+              <a:rPr lang="en-US" sz="2000" dirty="0" smtClean="0"/>
+              <a:t>Pre-compiling can enhance performance &amp; debugging</a:t>
+            </a:r>
+          </a:p>
+          <a:p>
+            <a:pPr marL="342900" indent="-342900" algn="l">
+              <a:buFont typeface="Arial"/>
+              <a:buChar char="•"/>
+            </a:pPr>
+            <a:r>
+              <a:rPr lang="en-US" sz="2000" dirty="0" smtClean="0"/>
+              <a:t>Marionette supports </a:t>
+            </a:r>
+            <a:r>
+              <a:rPr lang="en-US" sz="2000" dirty="0" smtClean="0"/>
+              <a:t>helper </a:t>
+            </a:r>
+            <a:r>
+              <a:rPr lang="en-US" sz="2000" dirty="0"/>
+              <a:t>functions (</a:t>
+            </a:r>
+            <a:r>
+              <a:rPr lang="en-US" sz="2000" dirty="0" err="1" smtClean="0"/>
+              <a:t>generateButtonHTML</a:t>
+            </a:r>
+            <a:r>
+              <a:rPr lang="en-US" sz="2000" dirty="0" smtClean="0"/>
+              <a:t>)</a:t>
+            </a:r>
+            <a:endParaRPr lang="en-US" sz="2000" dirty="0" smtClean="0"/>
           </a:p>
         </p:txBody>
       </p:sp>
     </p:spTree>
     <p:extLst>
       <p:ext uri="{BB962C8B-B14F-4D97-AF65-F5344CB8AC3E}">
-        <p14:creationId xmlns:p14="http://schemas.microsoft.com/office/powerpoint/2010/main" val="2079665070"/>
+        <p14:creationId xmlns:p14="http://schemas.microsoft.com/office/powerpoint/2010/main" val="2649721214"/>
       </p:ext>
     </p:extLst>
   </p:cSld>
@@ -4489,7 +4802,7 @@
           <a:p>
             <a:r>
               <a:rPr lang="en-US" dirty="0" smtClean="0"/>
-              <a:t>Backbone Collections</a:t>
+              <a:t>Lab: Let's start a SPA</a:t>
             </a:r>
             <a:endParaRPr lang="en-US" dirty="0"/>
           </a:p>
@@ -4513,7 +4826,7 @@
         </p:spPr>
         <p:txBody>
           <a:bodyPr>
-            <a:normAutofit fontScale="85000" lnSpcReduction="10000"/>
+            <a:normAutofit/>
           </a:bodyPr>
           <a:lstStyle/>
           <a:p>
@@ -4522,13 +4835,10 @@
               <a:buChar char="•"/>
             </a:pPr>
             <a:r>
-              <a:rPr lang="en-US" sz="2000" dirty="0"/>
-              <a:t>Models : Collection :: Database rows : </a:t>
-            </a:r>
-            <a:r>
-              <a:rPr lang="en-US" sz="2000" dirty="0" smtClean="0"/>
-              <a:t>tables</a:t>
-            </a:r>
+              <a:rPr lang="en-US" sz="2400" dirty="0" smtClean="0"/>
+              <a:t>Create View and Template</a:t>
+            </a:r>
+            <a:endParaRPr lang="en-US" sz="2400" dirty="0"/>
           </a:p>
           <a:p>
             <a:pPr marL="342900" indent="-342900" algn="l">
@@ -4536,173 +4846,17 @@
               <a:buChar char="•"/>
             </a:pPr>
             <a:r>
-              <a:rPr lang="en-US" sz="2000" dirty="0" smtClean="0"/>
-              <a:t>Implemented on top of Underscore collections</a:t>
-            </a:r>
-          </a:p>
-          <a:p>
-            <a:pPr marL="342900" indent="-342900" algn="l">
-              <a:buFont typeface="Arial"/>
-              <a:buChar char="•"/>
-            </a:pPr>
-            <a:r>
-              <a:rPr lang="en-US" sz="2000" dirty="0" smtClean="0"/>
-              <a:t>Use Underscore functions to </a:t>
-            </a:r>
-            <a:r>
-              <a:rPr lang="en-US" sz="2000" dirty="0" smtClean="0"/>
-              <a:t>process</a:t>
-            </a:r>
-          </a:p>
-          <a:p>
-            <a:pPr algn="l"/>
-            <a:endParaRPr lang="en-US" sz="2000" dirty="0" smtClean="0"/>
-          </a:p>
-          <a:p>
-            <a:pPr algn="l"/>
-            <a:r>
-              <a:rPr lang="en-US" sz="2000" dirty="0" smtClean="0"/>
-              <a:t>/</a:t>
-            </a:r>
-            <a:r>
-              <a:rPr lang="en-US" sz="2000" dirty="0"/>
-              <a:t>/ </a:t>
-            </a:r>
-            <a:r>
-              <a:rPr lang="en-US" sz="2000" dirty="0" smtClean="0"/>
-              <a:t>same example, in Collection form</a:t>
-            </a:r>
-            <a:endParaRPr lang="en-US" sz="2000" dirty="0"/>
-          </a:p>
-          <a:p>
-            <a:pPr algn="l"/>
-            <a:r>
-              <a:rPr lang="en-US" sz="2000" dirty="0" err="1" smtClean="0"/>
-              <a:t>var</a:t>
-            </a:r>
-            <a:r>
-              <a:rPr lang="en-US" sz="2000" dirty="0" smtClean="0"/>
-              <a:t> </a:t>
-            </a:r>
-            <a:r>
-              <a:rPr lang="en-US" sz="2000" dirty="0" err="1" smtClean="0"/>
-              <a:t>beatles</a:t>
-            </a:r>
-            <a:r>
-              <a:rPr lang="en-US" sz="2000" dirty="0" smtClean="0"/>
-              <a:t> = new </a:t>
-            </a:r>
-            <a:r>
-              <a:rPr lang="en-US" sz="2000" dirty="0" err="1" smtClean="0"/>
-              <a:t>Backbone.Collection</a:t>
-            </a:r>
-            <a:r>
-              <a:rPr lang="en-US" sz="2000" dirty="0" smtClean="0"/>
-              <a:t>([</a:t>
-            </a:r>
-          </a:p>
-          <a:p>
-            <a:pPr algn="l"/>
-            <a:r>
-              <a:rPr lang="en-US" sz="2000" dirty="0" smtClean="0"/>
-              <a:t>  {name: "John",       hands: "Strings"},</a:t>
-            </a:r>
-          </a:p>
-          <a:p>
-            <a:pPr algn="l"/>
-            <a:r>
-              <a:rPr lang="en-US" sz="2000" dirty="0" smtClean="0"/>
-              <a:t>  {name: "Paul",        hands: "Strings"},</a:t>
-            </a:r>
-          </a:p>
-          <a:p>
-            <a:pPr algn="l"/>
-            <a:r>
-              <a:rPr lang="en-US" sz="2000" dirty="0" smtClean="0"/>
-              <a:t>  {name: "George",  hands: "Strings"},</a:t>
-            </a:r>
-          </a:p>
-          <a:p>
-            <a:pPr algn="l"/>
-            <a:r>
-              <a:rPr lang="en-US" sz="2000" dirty="0" smtClean="0"/>
-              <a:t>  {name: "</a:t>
-            </a:r>
-            <a:r>
-              <a:rPr lang="en-US" sz="2000" dirty="0" err="1" smtClean="0"/>
-              <a:t>Ringo</a:t>
-            </a:r>
-            <a:r>
-              <a:rPr lang="en-US" sz="2000" dirty="0" smtClean="0"/>
-              <a:t>",     hands: "Sticks"},</a:t>
-            </a:r>
-          </a:p>
-          <a:p>
-            <a:pPr algn="l"/>
-            <a:r>
-              <a:rPr lang="en-US" sz="2000" dirty="0" smtClean="0"/>
-              <a:t>]);</a:t>
-            </a:r>
-          </a:p>
-          <a:p>
-            <a:pPr algn="l"/>
-            <a:endParaRPr lang="en-US" sz="2000" dirty="0" smtClean="0"/>
-          </a:p>
-          <a:p>
-            <a:pPr algn="l"/>
-            <a:r>
-              <a:rPr lang="en-US" sz="2000" dirty="0" err="1" smtClean="0"/>
-              <a:t>var</a:t>
-            </a:r>
-            <a:r>
-              <a:rPr lang="en-US" sz="2000" dirty="0" smtClean="0"/>
-              <a:t> count = </a:t>
-            </a:r>
-            <a:r>
-              <a:rPr lang="en-US" sz="2000" dirty="0" err="1" smtClean="0"/>
-              <a:t>beatles.where</a:t>
-            </a:r>
-            <a:r>
-              <a:rPr lang="en-US" sz="2000" dirty="0" smtClean="0"/>
-              <a:t>({hands: "Strings"})</a:t>
-            </a:r>
-          </a:p>
-          <a:p>
-            <a:pPr algn="l"/>
-            <a:r>
-              <a:rPr lang="en-US" sz="2000" dirty="0" smtClean="0"/>
-              <a:t>  .pluck("name")</a:t>
-            </a:r>
-          </a:p>
-          <a:p>
-            <a:pPr algn="l"/>
-            <a:r>
-              <a:rPr lang="en-US" sz="2000" dirty="0" smtClean="0"/>
-              <a:t>  .filter(function (name) { return </a:t>
-            </a:r>
-            <a:r>
-              <a:rPr lang="en-US" sz="2000" dirty="0" err="1" smtClean="0"/>
-              <a:t>name.length</a:t>
-            </a:r>
-            <a:r>
-              <a:rPr lang="en-US" sz="2000" dirty="0" smtClean="0"/>
-              <a:t> === 4 })</a:t>
-            </a:r>
-          </a:p>
-          <a:p>
-            <a:pPr algn="l"/>
-            <a:r>
-              <a:rPr lang="en-US" sz="2000" dirty="0" smtClean="0"/>
-              <a:t>  .length</a:t>
-            </a:r>
-            <a:endParaRPr lang="en-US" sz="2000" dirty="0" smtClean="0"/>
+              <a:rPr lang="en-US" sz="2400" dirty="0" smtClean="0"/>
+              <a:t>Connect View to Model events</a:t>
+            </a:r>
+            <a:endParaRPr lang="en-US" sz="2400" dirty="0"/>
           </a:p>
         </p:txBody>
       </p:sp>
     </p:spTree>
     <p:extLst>
       <p:ext uri="{BB962C8B-B14F-4D97-AF65-F5344CB8AC3E}">
-        <p14:creationId xmlns:p14="http://schemas.microsoft.com/office/powerpoint/2010/main" val="4200027496"/>
+        <p14:creationId xmlns:p14="http://schemas.microsoft.com/office/powerpoint/2010/main" val="2079665070"/>
       </p:ext>
     </p:extLst>
   </p:cSld>
@@ -4782,16 +4936,9 @@
         </p:spPr>
         <p:txBody>
           <a:bodyPr>
-            <a:normAutofit/>
+            <a:normAutofit fontScale="85000" lnSpcReduction="10000"/>
           </a:bodyPr>
           <a:lstStyle/>
-          <a:p>
-            <a:pPr algn="l"/>
-            <a:r>
-              <a:rPr lang="en-US" sz="2000" dirty="0" smtClean="0"/>
-              <a:t>Collection methods</a:t>
-            </a:r>
-          </a:p>
           <a:p>
             <a:pPr marL="342900" indent="-342900" algn="l">
               <a:buFont typeface="Arial"/>
@@ -4799,11 +4946,11 @@
             </a:pPr>
             <a:r>
               <a:rPr lang="en-US" sz="2000" dirty="0"/>
-              <a:t>.get(id) </a:t>
-            </a:r>
-            <a:r>
-              <a:rPr lang="en-US" sz="2000" dirty="0" smtClean="0"/>
-              <a:t>– returns a model</a:t>
+              <a:t>Models : Collection :: Database rows : </a:t>
+            </a:r>
+            <a:r>
+              <a:rPr lang="en-US" sz="2000" dirty="0" smtClean="0"/>
+              <a:t>tables</a:t>
             </a:r>
           </a:p>
           <a:p>
@@ -4813,15 +4960,7 @@
             </a:pPr>
             <a:r>
               <a:rPr lang="en-US" sz="2000" dirty="0" smtClean="0"/>
-              <a:t>.</a:t>
-            </a:r>
-            <a:r>
-              <a:rPr lang="en-US" sz="2000" dirty="0"/>
-              <a:t>add(models, [options]) </a:t>
-            </a:r>
-            <a:r>
-              <a:rPr lang="en-US" sz="2000" dirty="0" smtClean="0"/>
-              <a:t>– fires "add" event, then "change"</a:t>
+              <a:t>Implemented on top of Underscore collections</a:t>
             </a:r>
           </a:p>
           <a:p>
@@ -4831,72 +4970,157 @@
             </a:pPr>
             <a:r>
               <a:rPr lang="en-US" sz="2000" dirty="0" smtClean="0"/>
-              <a:t>.</a:t>
+              <a:t>Use Underscore functions to process</a:t>
+            </a:r>
+          </a:p>
+          <a:p>
+            <a:pPr algn="l"/>
+            <a:endParaRPr lang="en-US" sz="2000" dirty="0" smtClean="0"/>
+          </a:p>
+          <a:p>
+            <a:pPr algn="l"/>
+            <a:r>
+              <a:rPr lang="en-US" sz="2000" dirty="0" smtClean="0"/>
+              <a:t>/</a:t>
             </a:r>
             <a:r>
               <a:rPr lang="en-US" sz="2000" dirty="0"/>
-              <a:t>remove(models, [options]) </a:t>
-            </a:r>
-            <a:r>
-              <a:rPr lang="en-US" sz="2000" dirty="0" smtClean="0"/>
-              <a:t>– removes, fires event, returns removed</a:t>
-            </a:r>
-          </a:p>
-          <a:p>
-            <a:pPr marL="342900" indent="-342900" algn="l">
-              <a:buFont typeface="Arial"/>
-              <a:buChar char="•"/>
-            </a:pPr>
-            <a:r>
-              <a:rPr lang="en-US" sz="2000" dirty="0"/>
-              <a:t>push/pop/shift/</a:t>
-            </a:r>
+              <a:t>/ </a:t>
+            </a:r>
+            <a:r>
+              <a:rPr lang="en-US" sz="2000" dirty="0" smtClean="0"/>
+              <a:t>same example, in Collection form</a:t>
+            </a:r>
+            <a:endParaRPr lang="en-US" sz="2000" dirty="0"/>
+          </a:p>
+          <a:p>
+            <a:pPr algn="l"/>
             <a:r>
               <a:rPr lang="en-US" sz="2000" dirty="0" err="1" smtClean="0"/>
-              <a:t>unshift</a:t>
-            </a:r>
+              <a:t>var</a:t>
+            </a:r>
+            <a:r>
+              <a:rPr lang="en-US" sz="2000" dirty="0" smtClean="0"/>
+              <a:t> </a:t>
+            </a:r>
+            <a:r>
+              <a:rPr lang="en-US" sz="2000" dirty="0" err="1" smtClean="0"/>
+              <a:t>beatles</a:t>
+            </a:r>
+            <a:r>
+              <a:rPr lang="en-US" sz="2000" dirty="0" smtClean="0"/>
+              <a:t> = new </a:t>
+            </a:r>
+            <a:r>
+              <a:rPr lang="en-US" sz="2000" dirty="0" err="1" smtClean="0"/>
+              <a:t>Backbone.Collection</a:t>
+            </a:r>
+            <a:r>
+              <a:rPr lang="en-US" sz="2000" dirty="0" smtClean="0"/>
+              <a:t>([</a:t>
+            </a:r>
+          </a:p>
+          <a:p>
+            <a:pPr algn="l"/>
+            <a:r>
+              <a:rPr lang="en-US" sz="2000" dirty="0" smtClean="0"/>
+              <a:t>  {name: "John",       hands: "Strings"},</a:t>
+            </a:r>
+          </a:p>
+          <a:p>
+            <a:pPr algn="l"/>
+            <a:r>
+              <a:rPr lang="en-US" sz="2000" dirty="0" smtClean="0"/>
+              <a:t>  {name: "Paul",        hands: "Strings"},</a:t>
+            </a:r>
+          </a:p>
+          <a:p>
+            <a:pPr algn="l"/>
+            <a:r>
+              <a:rPr lang="en-US" sz="2000" dirty="0" smtClean="0"/>
+              <a:t>  {name: "George",  hands: "Strings"},</a:t>
+            </a:r>
+          </a:p>
+          <a:p>
+            <a:pPr algn="l"/>
+            <a:r>
+              <a:rPr lang="en-US" sz="2000" dirty="0" smtClean="0"/>
+              <a:t>  {name: "</a:t>
+            </a:r>
+            <a:r>
+              <a:rPr lang="en-US" sz="2000" dirty="0" err="1" smtClean="0"/>
+              <a:t>Ringo</a:t>
+            </a:r>
+            <a:r>
+              <a:rPr lang="en-US" sz="2000" dirty="0" smtClean="0"/>
+              <a:t>",     hands: "Sticks"},</a:t>
+            </a:r>
+          </a:p>
+          <a:p>
+            <a:pPr algn="l"/>
+            <a:r>
+              <a:rPr lang="en-US" sz="2000" dirty="0" smtClean="0"/>
+              <a:t>]);</a:t>
+            </a:r>
+          </a:p>
+          <a:p>
+            <a:pPr algn="l"/>
             <a:endParaRPr lang="en-US" sz="2000" dirty="0" smtClean="0"/>
           </a:p>
           <a:p>
-            <a:pPr marL="342900" indent="-342900" algn="l">
-              <a:buFont typeface="Arial"/>
-              <a:buChar char="•"/>
-            </a:pPr>
-            <a:r>
-              <a:rPr lang="en-US" sz="2000" dirty="0"/>
-              <a:t>.create(attributes, [options]) – </a:t>
-            </a:r>
-            <a:r>
-              <a:rPr lang="en-US" sz="2000" dirty="0" smtClean="0"/>
-              <a:t>make new </a:t>
-            </a:r>
-            <a:r>
-              <a:rPr lang="en-US" sz="2000" dirty="0"/>
-              <a:t>model </a:t>
-            </a:r>
-            <a:r>
-              <a:rPr lang="en-US" sz="2000" dirty="0" smtClean="0"/>
-              <a:t>and add</a:t>
-            </a:r>
-            <a:endParaRPr lang="en-US" sz="2000" dirty="0"/>
-          </a:p>
-          <a:p>
             <a:pPr algn="l"/>
-            <a:endParaRPr lang="en-US" sz="2000" dirty="0"/>
-          </a:p>
-          <a:p>
-            <a:pPr marL="342900" indent="-342900" algn="l">
-              <a:buFont typeface="Arial"/>
-              <a:buChar char="•"/>
-            </a:pPr>
-            <a:endParaRPr lang="en-US" sz="2000" dirty="0" smtClean="0"/>
+            <a:r>
+              <a:rPr lang="en-US" sz="2000" dirty="0" err="1" smtClean="0"/>
+              <a:t>var</a:t>
+            </a:r>
+            <a:r>
+              <a:rPr lang="en-US" sz="2000" dirty="0" smtClean="0"/>
+              <a:t> count = </a:t>
+            </a:r>
+            <a:r>
+              <a:rPr lang="en-US" sz="2000" dirty="0" err="1" smtClean="0"/>
+              <a:t>beatles.where</a:t>
+            </a:r>
+            <a:r>
+              <a:rPr lang="en-US" sz="2000" dirty="0" smtClean="0"/>
+              <a:t>({hands: "Strings"})</a:t>
+            </a:r>
+          </a:p>
+          <a:p>
+            <a:pPr algn="l"/>
+            <a:r>
+              <a:rPr lang="en-US" sz="2000" dirty="0" smtClean="0"/>
+              <a:t>  .pluck("name")</a:t>
+            </a:r>
+          </a:p>
+          <a:p>
+            <a:pPr algn="l"/>
+            <a:r>
+              <a:rPr lang="en-US" sz="2000" dirty="0" smtClean="0"/>
+              <a:t>  .filter(function (name) { return </a:t>
+            </a:r>
+            <a:r>
+              <a:rPr lang="en-US" sz="2000" dirty="0" err="1" smtClean="0"/>
+              <a:t>name.length</a:t>
+            </a:r>
+            <a:r>
+              <a:rPr lang="en-US" sz="2000" dirty="0" smtClean="0"/>
+              <a:t> === 4 })</a:t>
+            </a:r>
+          </a:p>
+          <a:p>
+            <a:pPr algn="l"/>
+            <a:r>
+              <a:rPr lang="en-US" sz="2000" dirty="0" smtClean="0"/>
+              <a:t>  .length</a:t>
+            </a:r>
           </a:p>
         </p:txBody>
       </p:sp>
     </p:spTree>
     <p:extLst>
       <p:ext uri="{BB962C8B-B14F-4D97-AF65-F5344CB8AC3E}">
-        <p14:creationId xmlns:p14="http://schemas.microsoft.com/office/powerpoint/2010/main" val="466436006"/>
+        <p14:creationId xmlns:p14="http://schemas.microsoft.com/office/powerpoint/2010/main" val="4200027496"/>
       </p:ext>
     </p:extLst>
   </p:cSld>
@@ -4983,7 +5207,7 @@
             <a:pPr algn="l"/>
             <a:r>
               <a:rPr lang="en-US" sz="2000" dirty="0" smtClean="0"/>
-              <a:t>Lifecycle methods</a:t>
+              <a:t>Collection methods</a:t>
             </a:r>
           </a:p>
           <a:p>
@@ -4992,16 +5216,12 @@
               <a:buChar char="•"/>
             </a:pPr>
             <a:r>
-              <a:rPr lang="en-US" sz="2000" dirty="0" smtClean="0"/>
-              <a:t>.</a:t>
-            </a:r>
-            <a:r>
               <a:rPr lang="en-US" sz="2000" dirty="0"/>
-              <a:t>set(models, [options]) </a:t>
-            </a:r>
-            <a:r>
-              <a:rPr lang="en-US" sz="2000" dirty="0" smtClean="0"/>
-              <a:t> - smart merges argument with current </a:t>
+              <a:t>.get(id) </a:t>
+            </a:r>
+            <a:r>
+              <a:rPr lang="en-US" sz="2000" dirty="0" smtClean="0"/>
+              <a:t>– returns a model</a:t>
             </a:r>
           </a:p>
           <a:p>
@@ -5015,11 +5235,11 @@
             </a:r>
             <a:r>
               <a:rPr lang="en-US" sz="2000" dirty="0"/>
-              <a:t>reset([models], [options]) </a:t>
-            </a:r>
-            <a:r>
-              <a:rPr lang="en-US" sz="2000" dirty="0" smtClean="0"/>
-              <a:t>– replace current with argument</a:t>
+              <a:t>add(models, [options]) </a:t>
+            </a:r>
+            <a:r>
+              <a:rPr lang="en-US" sz="2000" dirty="0" smtClean="0"/>
+              <a:t>– fires "add" event, then "change"</a:t>
             </a:r>
           </a:p>
           <a:p>
@@ -5033,11 +5253,11 @@
             </a:r>
             <a:r>
               <a:rPr lang="en-US" sz="2000" dirty="0"/>
-              <a:t>fetch([options]) </a:t>
-            </a:r>
-            <a:r>
-              <a:rPr lang="en-US" sz="2000" dirty="0" smtClean="0"/>
-              <a:t>– server fetch followed by set</a:t>
+              <a:t>remove(models, [options]) </a:t>
+            </a:r>
+            <a:r>
+              <a:rPr lang="en-US" sz="2000" dirty="0" smtClean="0"/>
+              <a:t>– removes, fires event, returns removed</a:t>
             </a:r>
           </a:p>
           <a:p>
@@ -5046,17 +5266,14 @@
               <a:buChar char="•"/>
             </a:pPr>
             <a:r>
-              <a:rPr lang="en-US" sz="2000" dirty="0" smtClean="0"/>
-              <a:t>.</a:t>
-            </a:r>
-            <a:r>
               <a:rPr lang="en-US" sz="2000" dirty="0"/>
-              <a:t>parse(response, options</a:t>
-            </a:r>
-            <a:r>
-              <a:rPr lang="en-US" sz="2000" dirty="0" smtClean="0"/>
-              <a:t>) – fetch uses internally, override to alter data</a:t>
-            </a:r>
+              <a:t>push/pop/shift/</a:t>
+            </a:r>
+            <a:r>
+              <a:rPr lang="en-US" sz="2000" dirty="0" err="1" smtClean="0"/>
+              <a:t>unshift</a:t>
+            </a:r>
+            <a:endParaRPr lang="en-US" sz="2000" dirty="0" smtClean="0"/>
           </a:p>
           <a:p>
             <a:pPr marL="342900" indent="-342900" algn="l">
@@ -5065,16 +5282,31 @@
             </a:pPr>
             <a:r>
               <a:rPr lang="en-US" sz="2000" dirty="0"/>
-              <a:t>.sync(method, collection, [options]) </a:t>
-            </a:r>
-            <a:r>
-              <a:rPr lang="en-US" sz="2000" dirty="0" smtClean="0"/>
-              <a:t>– persist data to server</a:t>
+              <a:t>.create(attributes, [options]) – </a:t>
+            </a:r>
+            <a:r>
+              <a:rPr lang="en-US" sz="2000" dirty="0" smtClean="0"/>
+              <a:t>make new </a:t>
+            </a:r>
+            <a:r>
+              <a:rPr lang="en-US" sz="2000" dirty="0"/>
+              <a:t>model </a:t>
+            </a:r>
+            <a:r>
+              <a:rPr lang="en-US" sz="2000" dirty="0" smtClean="0"/>
+              <a:t>and add</a:t>
             </a:r>
             <a:endParaRPr lang="en-US" sz="2000" dirty="0"/>
           </a:p>
           <a:p>
             <a:pPr algn="l"/>
+            <a:endParaRPr lang="en-US" sz="2000" dirty="0"/>
+          </a:p>
+          <a:p>
+            <a:pPr marL="342900" indent="-342900" algn="l">
+              <a:buFont typeface="Arial"/>
+              <a:buChar char="•"/>
+            </a:pPr>
             <a:endParaRPr lang="en-US" sz="2000" dirty="0" smtClean="0"/>
           </a:p>
         </p:txBody>
@@ -5082,7 +5314,7 @@
     </p:spTree>
     <p:extLst>
       <p:ext uri="{BB962C8B-B14F-4D97-AF65-F5344CB8AC3E}">
-        <p14:creationId xmlns:p14="http://schemas.microsoft.com/office/powerpoint/2010/main" val="35380602"/>
+        <p14:creationId xmlns:p14="http://schemas.microsoft.com/office/powerpoint/2010/main" val="466436006"/>
       </p:ext>
     </p:extLst>
   </p:cSld>
@@ -5138,7 +5370,7 @@
           <a:p>
             <a:r>
               <a:rPr lang="en-US" dirty="0" smtClean="0"/>
-              <a:t>Lab: Backbone Collections</a:t>
+              <a:t>Backbone Collections</a:t>
             </a:r>
             <a:endParaRPr lang="en-US" dirty="0"/>
           </a:p>
@@ -5168,60 +5400,107 @@
           <a:p>
             <a:pPr algn="l"/>
             <a:r>
+              <a:rPr lang="en-US" sz="2000" dirty="0" smtClean="0"/>
+              <a:t>Lifecycle methods</a:t>
+            </a:r>
+          </a:p>
+          <a:p>
+            <a:pPr marL="342900" indent="-342900" algn="l">
+              <a:buFont typeface="Arial"/>
+              <a:buChar char="•"/>
+            </a:pPr>
+            <a:r>
+              <a:rPr lang="en-US" sz="2000" dirty="0" smtClean="0"/>
+              <a:t>.</a:t>
+            </a:r>
+            <a:r>
               <a:rPr lang="en-US" sz="2000" dirty="0"/>
-              <a:t> - Change server-side logic to support multiple models</a:t>
-            </a:r>
+              <a:t>set(models, [options]) </a:t>
+            </a:r>
+            <a:r>
+              <a:rPr lang="en-US" sz="2000" dirty="0" smtClean="0"/>
+              <a:t> - smart merges argument with current </a:t>
+            </a:r>
+          </a:p>
+          <a:p>
+            <a:pPr marL="342900" indent="-342900" algn="l">
+              <a:buFont typeface="Arial"/>
+              <a:buChar char="•"/>
+            </a:pPr>
+            <a:r>
+              <a:rPr lang="en-US" sz="2000" dirty="0" smtClean="0"/>
+              <a:t>.</a:t>
+            </a:r>
+            <a:r>
+              <a:rPr lang="en-US" sz="2000" dirty="0"/>
+              <a:t>reset([models], [options]) </a:t>
+            </a:r>
+            <a:r>
+              <a:rPr lang="en-US" sz="2000" dirty="0" smtClean="0"/>
+              <a:t>– replace current with argument</a:t>
+            </a:r>
+          </a:p>
+          <a:p>
+            <a:pPr marL="342900" indent="-342900" algn="l">
+              <a:buFont typeface="Arial"/>
+              <a:buChar char="•"/>
+            </a:pPr>
+            <a:r>
+              <a:rPr lang="en-US" sz="2000" dirty="0" smtClean="0"/>
+              <a:t>.</a:t>
+            </a:r>
+            <a:r>
+              <a:rPr lang="en-US" sz="2000" dirty="0"/>
+              <a:t>fetch([options]) </a:t>
+            </a:r>
+            <a:r>
+              <a:rPr lang="en-US" sz="2000" dirty="0" smtClean="0"/>
+              <a:t>– server fetch followed by set</a:t>
+            </a:r>
+          </a:p>
+          <a:p>
+            <a:pPr marL="342900" indent="-342900" algn="l">
+              <a:buFont typeface="Arial"/>
+              <a:buChar char="•"/>
+            </a:pPr>
+            <a:r>
+              <a:rPr lang="en-US" sz="2000" dirty="0" smtClean="0"/>
+              <a:t>.</a:t>
+            </a:r>
+            <a:r>
+              <a:rPr lang="en-US" sz="2000" dirty="0"/>
+              <a:t>parse(response, options</a:t>
+            </a:r>
+            <a:r>
+              <a:rPr lang="en-US" sz="2000" dirty="0" smtClean="0"/>
+              <a:t>) – fetch uses internally, override to alter data</a:t>
+            </a:r>
+          </a:p>
+          <a:p>
+            <a:pPr marL="342900" indent="-342900" algn="l">
+              <a:buFont typeface="Arial"/>
+              <a:buChar char="•"/>
+            </a:pPr>
+            <a:r>
+              <a:rPr lang="en-US" sz="2000" dirty="0"/>
+              <a:t>.sync(method, collection, [options]) </a:t>
+            </a:r>
+            <a:r>
+              <a:rPr lang="en-US" sz="2000" dirty="0" smtClean="0"/>
+              <a:t>– persist data to server</a:t>
+            </a:r>
+            <a:endParaRPr lang="en-US" sz="2000" dirty="0"/>
           </a:p>
           <a:p>
             <a:pPr algn="l"/>
-            <a:r>
-              <a:rPr lang="en-US" sz="2000" dirty="0"/>
-              <a:t> - Modify existing tests as necessary; add new</a:t>
-            </a:r>
-          </a:p>
-          <a:p>
-            <a:pPr algn="l"/>
-            <a:r>
-              <a:rPr lang="en-US" sz="2000" dirty="0"/>
-              <a:t> - Add client-side Collections</a:t>
-            </a:r>
-          </a:p>
-          <a:p>
-            <a:pPr algn="l"/>
-            <a:r>
-              <a:rPr lang="en-US" sz="2000" dirty="0"/>
-              <a:t> - Add/modify </a:t>
-            </a:r>
-            <a:r>
-              <a:rPr lang="en-US" sz="2000" dirty="0" smtClean="0"/>
-              <a:t>tests</a:t>
-            </a:r>
-          </a:p>
-          <a:p>
-            <a:pPr algn="l"/>
-            <a:r>
-              <a:rPr lang="en-US" sz="2000" dirty="0"/>
-              <a:t> </a:t>
-            </a:r>
-            <a:r>
-              <a:rPr lang="en-US" sz="2000" dirty="0" smtClean="0"/>
-              <a:t>- 60 </a:t>
-            </a:r>
-            <a:r>
-              <a:rPr lang="en-US" sz="2000" dirty="0" err="1" smtClean="0"/>
-              <a:t>mins</a:t>
-            </a:r>
-            <a:r>
-              <a:rPr lang="en-US" sz="2000" dirty="0" smtClean="0"/>
-              <a:t>, then 10 min break</a:t>
-            </a:r>
+            <a:endParaRPr lang="en-US" sz="2000" dirty="0" smtClean="0"/>
           </a:p>
         </p:txBody>
       </p:sp>
     </p:spTree>
     <p:extLst>
       <p:ext uri="{BB962C8B-B14F-4D97-AF65-F5344CB8AC3E}">
-        <p14:creationId xmlns:p14="http://schemas.microsoft.com/office/powerpoint/2010/main" val="3523914633"/>
+        <p14:creationId xmlns:p14="http://schemas.microsoft.com/office/powerpoint/2010/main" val="35380602"/>
       </p:ext>
     </p:extLst>
   </p:cSld>

--- a/slides/Backbone Slides Day 2.pptx
+++ b/slides/Backbone Slides Day 2.pptx
@@ -15,9 +15,8 @@
     <p:sldId id="285" r:id="rId9"/>
     <p:sldId id="284" r:id="rId10"/>
     <p:sldId id="286" r:id="rId11"/>
-    <p:sldId id="301" r:id="rId12"/>
-    <p:sldId id="302" r:id="rId13"/>
-    <p:sldId id="303" r:id="rId14"/>
+    <p:sldId id="304" r:id="rId12"/>
+    <p:sldId id="305" r:id="rId13"/>
   </p:sldIdLst>
   <p:sldSz cx="9144000" cy="6858000" type="screen4x3"/>
   <p:notesSz cx="6858000" cy="9144000"/>
@@ -300,7 +299,7 @@
           <a:p>
             <a:fld id="{6BFECD78-3C8E-49F2-8FAB-59489D168ABB}" type="datetimeFigureOut">
               <a:rPr lang="en-US" smtClean="0"/>
-              <a:t>9/30/16</a:t>
+              <a:t>10/16/16</a:t>
             </a:fld>
             <a:endParaRPr lang="en-US"/>
           </a:p>
@@ -470,7 +469,7 @@
           <a:p>
             <a:fld id="{6BFECD78-3C8E-49F2-8FAB-59489D168ABB}" type="datetimeFigureOut">
               <a:rPr lang="en-US" smtClean="0"/>
-              <a:t>9/30/16</a:t>
+              <a:t>10/16/16</a:t>
             </a:fld>
             <a:endParaRPr lang="en-US"/>
           </a:p>
@@ -650,7 +649,7 @@
           <a:p>
             <a:fld id="{6BFECD78-3C8E-49F2-8FAB-59489D168ABB}" type="datetimeFigureOut">
               <a:rPr lang="en-US" smtClean="0"/>
-              <a:t>9/30/16</a:t>
+              <a:t>10/16/16</a:t>
             </a:fld>
             <a:endParaRPr lang="en-US"/>
           </a:p>
@@ -820,7 +819,7 @@
           <a:p>
             <a:fld id="{6BFECD78-3C8E-49F2-8FAB-59489D168ABB}" type="datetimeFigureOut">
               <a:rPr lang="en-US" smtClean="0"/>
-              <a:t>9/30/16</a:t>
+              <a:t>10/16/16</a:t>
             </a:fld>
             <a:endParaRPr lang="en-US"/>
           </a:p>
@@ -1066,7 +1065,7 @@
           <a:p>
             <a:fld id="{6BFECD78-3C8E-49F2-8FAB-59489D168ABB}" type="datetimeFigureOut">
               <a:rPr lang="en-US" smtClean="0"/>
-              <a:t>9/30/16</a:t>
+              <a:t>10/16/16</a:t>
             </a:fld>
             <a:endParaRPr lang="en-US"/>
           </a:p>
@@ -1354,7 +1353,7 @@
           <a:p>
             <a:fld id="{6BFECD78-3C8E-49F2-8FAB-59489D168ABB}" type="datetimeFigureOut">
               <a:rPr lang="en-US" smtClean="0"/>
-              <a:t>9/30/16</a:t>
+              <a:t>10/16/16</a:t>
             </a:fld>
             <a:endParaRPr lang="en-US"/>
           </a:p>
@@ -1776,7 +1775,7 @@
           <a:p>
             <a:fld id="{6BFECD78-3C8E-49F2-8FAB-59489D168ABB}" type="datetimeFigureOut">
               <a:rPr lang="en-US" smtClean="0"/>
-              <a:t>9/30/16</a:t>
+              <a:t>10/16/16</a:t>
             </a:fld>
             <a:endParaRPr lang="en-US"/>
           </a:p>
@@ -1894,7 +1893,7 @@
           <a:p>
             <a:fld id="{6BFECD78-3C8E-49F2-8FAB-59489D168ABB}" type="datetimeFigureOut">
               <a:rPr lang="en-US" smtClean="0"/>
-              <a:t>9/30/16</a:t>
+              <a:t>10/16/16</a:t>
             </a:fld>
             <a:endParaRPr lang="en-US"/>
           </a:p>
@@ -1989,7 +1988,7 @@
           <a:p>
             <a:fld id="{6BFECD78-3C8E-49F2-8FAB-59489D168ABB}" type="datetimeFigureOut">
               <a:rPr lang="en-US" smtClean="0"/>
-              <a:t>9/30/16</a:t>
+              <a:t>10/16/16</a:t>
             </a:fld>
             <a:endParaRPr lang="en-US"/>
           </a:p>
@@ -2266,7 +2265,7 @@
           <a:p>
             <a:fld id="{6BFECD78-3C8E-49F2-8FAB-59489D168ABB}" type="datetimeFigureOut">
               <a:rPr lang="en-US" smtClean="0"/>
-              <a:t>9/30/16</a:t>
+              <a:t>10/16/16</a:t>
             </a:fld>
             <a:endParaRPr lang="en-US"/>
           </a:p>
@@ -2523,7 +2522,7 @@
           <a:p>
             <a:fld id="{6BFECD78-3C8E-49F2-8FAB-59489D168ABB}" type="datetimeFigureOut">
               <a:rPr lang="en-US" smtClean="0"/>
-              <a:t>9/30/16</a:t>
+              <a:t>10/16/16</a:t>
             </a:fld>
             <a:endParaRPr lang="en-US"/>
           </a:p>
@@ -2736,7 +2735,7 @@
           <a:p>
             <a:fld id="{6BFECD78-3C8E-49F2-8FAB-59489D168ABB}" type="datetimeFigureOut">
               <a:rPr lang="en-US" smtClean="0"/>
-              <a:t>9/30/16</a:t>
+              <a:t>10/16/16</a:t>
             </a:fld>
             <a:endParaRPr lang="en-US"/>
           </a:p>
@@ -3123,7 +3122,9 @@
         </p:nvSpPr>
         <p:spPr/>
         <p:txBody>
-          <a:bodyPr/>
+          <a:bodyPr>
+            <a:normAutofit fontScale="90000"/>
+          </a:bodyPr>
           <a:lstStyle/>
           <a:p>
             <a:r>
@@ -3140,6 +3141,13 @@
             <a:r>
               <a:rPr lang="en-US" dirty="0" smtClean="0"/>
               <a:t>Macy's</a:t>
+            </a:r>
+            <a:br>
+              <a:rPr lang="en-US" dirty="0" smtClean="0"/>
+            </a:br>
+            <a:r>
+              <a:rPr lang="en-US" dirty="0" smtClean="0"/>
+              <a:t>Day 2</a:t>
             </a:r>
             <a:endParaRPr lang="en-US" dirty="0"/>
           </a:p>
@@ -3356,7 +3364,7 @@
           <a:p>
             <a:r>
               <a:rPr lang="en-US" dirty="0" smtClean="0"/>
-              <a:t>Why Marionette?</a:t>
+              <a:t>Backbone Routing</a:t>
             </a:r>
             <a:endParaRPr lang="en-US" dirty="0"/>
           </a:p>
@@ -3390,8 +3398,73 @@
             </a:pPr>
             <a:r>
               <a:rPr lang="en-US" sz="2000" dirty="0" smtClean="0"/>
-              <a:t>Patterns in plain Backbone start to get redundant</a:t>
-            </a:r>
+              <a:t>Like server-side routing – connects URI to an action</a:t>
+            </a:r>
+          </a:p>
+          <a:p>
+            <a:pPr marL="342900" indent="-342900" algn="l">
+              <a:buFont typeface="Arial"/>
+              <a:buChar char="•"/>
+            </a:pPr>
+            <a:r>
+              <a:rPr lang="en-US" sz="2000" dirty="0" smtClean="0"/>
+              <a:t>Think </a:t>
+            </a:r>
+            <a:r>
+              <a:rPr lang="en-US" sz="2000" dirty="0" err="1" smtClean="0"/>
+              <a:t>gmail</a:t>
+            </a:r>
+            <a:r>
+              <a:rPr lang="en-US" sz="2000" dirty="0" smtClean="0"/>
+              <a:t>: URI can represent one email, search results, edit contact</a:t>
+            </a:r>
+          </a:p>
+          <a:p>
+            <a:pPr marL="342900" indent="-342900" algn="l">
+              <a:buFont typeface="Arial"/>
+              <a:buChar char="•"/>
+            </a:pPr>
+            <a:r>
+              <a:rPr lang="en-US" sz="2000" dirty="0" smtClean="0"/>
+              <a:t>Backbone router acts on hash fragment or History API</a:t>
+            </a:r>
+          </a:p>
+          <a:p>
+            <a:pPr marL="342900" indent="-342900" algn="l">
+              <a:buFont typeface="Arial"/>
+              <a:buChar char="•"/>
+            </a:pPr>
+            <a:r>
+              <a:rPr lang="en-US" sz="2000" dirty="0" smtClean="0"/>
+              <a:t>Once page has loaded, call </a:t>
+            </a:r>
+            <a:r>
+              <a:rPr lang="en-US" sz="2000" dirty="0" err="1" smtClean="0"/>
+              <a:t>Backbone.history.start</a:t>
+            </a:r>
+            <a:r>
+              <a:rPr lang="en-US" sz="2000" dirty="0"/>
+              <a:t>(</a:t>
+            </a:r>
+            <a:r>
+              <a:rPr lang="en-US" sz="2000" dirty="0" smtClean="0"/>
+              <a:t>)</a:t>
+            </a:r>
+          </a:p>
+          <a:p>
+            <a:pPr marL="342900" indent="-342900" algn="l">
+              <a:buFont typeface="Arial"/>
+              <a:buChar char="•"/>
+            </a:pPr>
+            <a:r>
+              <a:rPr lang="en-US" sz="2000" dirty="0" smtClean="0"/>
+              <a:t>Mark significant </a:t>
+            </a:r>
+            <a:r>
+              <a:rPr lang="en-US" sz="2000" dirty="0"/>
+              <a:t>actions with .navigate(fragment, [options]) </a:t>
+            </a:r>
+            <a:endParaRPr lang="en-US" sz="2000" dirty="0" smtClean="0"/>
           </a:p>
           <a:p>
             <a:pPr marL="800100" lvl="1" indent="-342900" algn="l">
@@ -3400,7 +3473,15 @@
             </a:pPr>
             <a:r>
               <a:rPr lang="en-US" sz="1600" dirty="0" smtClean="0"/>
-              <a:t>Connecting view renders to collection events</a:t>
+              <a:t>:</a:t>
+            </a:r>
+            <a:r>
+              <a:rPr lang="en-US" sz="1600" dirty="0" err="1" smtClean="0"/>
+              <a:t>params</a:t>
+            </a:r>
+            <a:r>
+              <a:rPr lang="en-US" sz="1600" dirty="0" smtClean="0"/>
+              <a:t> for one section</a:t>
             </a:r>
           </a:p>
           <a:p>
@@ -3410,17 +3491,7 @@
             </a:pPr>
             <a:r>
               <a:rPr lang="en-US" sz="1600" dirty="0" smtClean="0"/>
-              <a:t>De-referencing views when model removed</a:t>
-            </a:r>
-          </a:p>
-          <a:p>
-            <a:pPr marL="342900" indent="-342900" algn="l">
-              <a:buFont typeface="Arial"/>
-              <a:buChar char="•"/>
-            </a:pPr>
-            <a:r>
-              <a:rPr lang="en-US" sz="2000" dirty="0" smtClean="0"/>
-              <a:t>Backbone doesn't provide higher-level structure</a:t>
+              <a:t>*splats for multiple</a:t>
             </a:r>
           </a:p>
           <a:p>
@@ -3430,7 +3501,7 @@
             </a:pPr>
             <a:r>
               <a:rPr lang="en-US" sz="1600" dirty="0" smtClean="0"/>
-              <a:t>Application structure</a:t>
+              <a:t>Nest with parentheses</a:t>
             </a:r>
           </a:p>
           <a:p>
@@ -3440,71 +3511,15 @@
             </a:pPr>
             <a:r>
               <a:rPr lang="en-US" sz="1600" dirty="0" smtClean="0"/>
-              <a:t>App setup / </a:t>
-            </a:r>
-            <a:r>
-              <a:rPr lang="en-US" sz="1600" dirty="0" err="1" smtClean="0"/>
-              <a:t>init</a:t>
-            </a:r>
-            <a:endParaRPr lang="en-US" sz="1600" dirty="0" smtClean="0"/>
-          </a:p>
-          <a:p>
-            <a:pPr marL="800100" lvl="1" indent="-342900" algn="l">
-              <a:buFont typeface="Arial"/>
-              <a:buChar char="•"/>
-            </a:pPr>
-            <a:r>
-              <a:rPr lang="en-US" sz="1600" dirty="0" smtClean="0"/>
-              <a:t>External data load</a:t>
-            </a:r>
-          </a:p>
-          <a:p>
-            <a:pPr marL="800100" lvl="1" indent="-342900" algn="l">
-              <a:buFont typeface="Arial"/>
-              <a:buChar char="•"/>
-            </a:pPr>
-            <a:r>
-              <a:rPr lang="en-US" sz="1600" dirty="0" smtClean="0"/>
-              <a:t>Sharing code between components</a:t>
-            </a:r>
-          </a:p>
-          <a:p>
-            <a:pPr marL="342900" indent="-342900" algn="l">
-              <a:buFont typeface="Arial"/>
-              <a:buChar char="•"/>
-            </a:pPr>
-            <a:r>
-              <a:rPr lang="en-US" sz="2000" dirty="0" smtClean="0"/>
-              <a:t>Backbone doesn't provide support for more complex layouts</a:t>
-            </a:r>
-          </a:p>
-          <a:p>
-            <a:pPr marL="800100" lvl="1" indent="-342900" algn="l">
-              <a:buFont typeface="Arial"/>
-              <a:buChar char="•"/>
-            </a:pPr>
-            <a:r>
-              <a:rPr lang="en-US" sz="1600" dirty="0" smtClean="0"/>
-              <a:t>Nested relationships</a:t>
-            </a:r>
-          </a:p>
-          <a:p>
-            <a:pPr marL="800100" lvl="1" indent="-342900" algn="l">
-              <a:buFont typeface="Arial"/>
-              <a:buChar char="•"/>
-            </a:pPr>
-            <a:r>
-              <a:rPr lang="en-US" sz="1600" dirty="0" smtClean="0"/>
-              <a:t>Swap out views within same page area</a:t>
-            </a:r>
-            <a:endParaRPr lang="en-US" sz="1600" dirty="0" smtClean="0"/>
+              <a:t>Note slashes count as unique URIs</a:t>
+            </a:r>
           </a:p>
         </p:txBody>
       </p:sp>
     </p:spTree>
     <p:extLst>
       <p:ext uri="{BB962C8B-B14F-4D97-AF65-F5344CB8AC3E}">
-        <p14:creationId xmlns:p14="http://schemas.microsoft.com/office/powerpoint/2010/main" val="2677506094"/>
+        <p14:creationId xmlns:p14="http://schemas.microsoft.com/office/powerpoint/2010/main" val="2557587530"/>
       </p:ext>
     </p:extLst>
   </p:cSld>
@@ -3560,7 +3575,7 @@
           <a:p>
             <a:r>
               <a:rPr lang="en-US" dirty="0" smtClean="0"/>
-              <a:t>Marionette solutions</a:t>
+              <a:t>Lab: Backbone Routing</a:t>
             </a:r>
             <a:endParaRPr lang="en-US" dirty="0"/>
           </a:p>
@@ -3593,20 +3608,8 @@
               <a:buChar char="•"/>
             </a:pPr>
             <a:r>
-              <a:rPr lang="en-US" sz="2000" dirty="0" err="1" smtClean="0"/>
-              <a:t>CollectionView</a:t>
-            </a:r>
-            <a:r>
-              <a:rPr lang="en-US" sz="2000" dirty="0" smtClean="0"/>
-              <a:t>: Sets up defaults for </a:t>
-            </a:r>
-            <a:r>
-              <a:rPr lang="en-US" sz="2000" dirty="0"/>
-              <a:t>common </a:t>
-            </a:r>
-            <a:r>
-              <a:rPr lang="en-US" sz="2000" dirty="0" smtClean="0"/>
-              <a:t>collection events</a:t>
+              <a:rPr lang="en-US" sz="2000" dirty="0" smtClean="0"/>
+              <a:t>Hook up routes to an action</a:t>
             </a:r>
           </a:p>
           <a:p>
@@ -3616,15 +3619,7 @@
             </a:pPr>
             <a:r>
               <a:rPr lang="en-US" sz="2000" dirty="0" smtClean="0"/>
-              <a:t>View: </a:t>
-            </a:r>
-            <a:r>
-              <a:rPr lang="en-US" sz="2000" dirty="0" err="1" smtClean="0"/>
-              <a:t>M'nette</a:t>
-            </a:r>
-            <a:r>
-              <a:rPr lang="en-US" sz="2000" dirty="0" smtClean="0"/>
-              <a:t> extends BB View, adding auto features</a:t>
+              <a:t>Suggested action: dynamically hide / show elements </a:t>
             </a:r>
           </a:p>
           <a:p>
@@ -3632,169 +3627,136 @@
               <a:buFont typeface="Arial"/>
               <a:buChar char="•"/>
             </a:pPr>
-            <a:r>
-              <a:rPr lang="en-US" sz="2000" dirty="0" smtClean="0"/>
-              <a:t>Application: provides 'start' event, hook to Router</a:t>
-            </a:r>
-            <a:endParaRPr lang="en-US" sz="2000" dirty="0" smtClean="0"/>
-          </a:p>
-          <a:p>
-            <a:pPr marL="342900" indent="-342900" algn="l">
-              <a:buFont typeface="Arial"/>
-              <a:buChar char="•"/>
-            </a:pPr>
-            <a:r>
-              <a:rPr lang="en-US" sz="2000" dirty="0" smtClean="0"/>
-              <a:t>Behaviors: share code between components</a:t>
-            </a:r>
-          </a:p>
-          <a:p>
-            <a:pPr marL="342900" indent="-342900" algn="l">
-              <a:buFont typeface="Arial"/>
-              <a:buChar char="•"/>
-            </a:pPr>
-            <a:r>
-              <a:rPr lang="en-US" sz="2000" dirty="0" smtClean="0"/>
-              <a:t>Regions: </a:t>
+            <a:endParaRPr lang="en-US" sz="2000" dirty="0"/>
+          </a:p>
+          <a:p>
+            <a:pPr algn="l"/>
+            <a:r>
+              <a:rPr lang="en-US" sz="2000" dirty="0" err="1"/>
+              <a:t>var</a:t>
             </a:r>
             <a:r>
               <a:rPr lang="en-US" sz="2000" dirty="0"/>
-              <a:t>s</a:t>
-            </a:r>
-            <a:r>
-              <a:rPr lang="en-US" sz="2000" dirty="0" smtClean="0"/>
-              <a:t>wap out views within same page area</a:t>
-            </a:r>
-            <a:endParaRPr lang="en-US" sz="2000" dirty="0" smtClean="0"/>
+              <a:t> Workspace = </a:t>
+            </a:r>
+            <a:r>
+              <a:rPr lang="en-US" sz="2000" dirty="0" err="1"/>
+              <a:t>Backbone.Router.extend</a:t>
+            </a:r>
+            <a:r>
+              <a:rPr lang="en-US" sz="2000" dirty="0"/>
+              <a:t>(</a:t>
+            </a:r>
+            <a:r>
+              <a:rPr lang="en-US" sz="2000" dirty="0" smtClean="0"/>
+              <a:t>{</a:t>
+            </a:r>
+            <a:endParaRPr lang="en-US" sz="2000" dirty="0"/>
+          </a:p>
+          <a:p>
+            <a:pPr algn="l"/>
+            <a:r>
+              <a:rPr lang="en-US" sz="2000" dirty="0"/>
+              <a:t>  routes: {</a:t>
+            </a:r>
+          </a:p>
+          <a:p>
+            <a:pPr algn="l"/>
+            <a:r>
+              <a:rPr lang="en-US" sz="2000" dirty="0"/>
+              <a:t>    "</a:t>
+            </a:r>
+            <a:r>
+              <a:rPr lang="en-US" sz="2000" dirty="0" smtClean="0"/>
+              <a:t>help/:subject(/:</a:t>
+            </a:r>
+            <a:r>
+              <a:rPr lang="en-US" sz="2000" dirty="0" err="1" smtClean="0"/>
+              <a:t>pagenumber</a:t>
+            </a:r>
+            <a:r>
+              <a:rPr lang="en-US" sz="2000" dirty="0" smtClean="0"/>
+              <a:t>)"</a:t>
+            </a:r>
+            <a:r>
+              <a:rPr lang="en-US" sz="2000" dirty="0"/>
+              <a:t>: </a:t>
+            </a:r>
+            <a:r>
+              <a:rPr lang="en-US" sz="2000" dirty="0" smtClean="0"/>
+              <a:t>"help"</a:t>
+            </a:r>
+            <a:r>
+              <a:rPr lang="en-US" sz="2000" dirty="0"/>
+              <a:t>,    // </a:t>
+            </a:r>
+            <a:r>
+              <a:rPr lang="en-US" sz="2000" dirty="0" smtClean="0"/>
+              <a:t>.help( subject, [</a:t>
+            </a:r>
+            <a:r>
+              <a:rPr lang="en-US" sz="2000" dirty="0" err="1" smtClean="0"/>
+              <a:t>pagenumber</a:t>
+            </a:r>
+            <a:r>
+              <a:rPr lang="en-US" sz="2000" dirty="0" smtClean="0"/>
+              <a:t>] )</a:t>
+            </a:r>
+            <a:endParaRPr lang="en-US" sz="2000" dirty="0"/>
+          </a:p>
+          <a:p>
+            <a:pPr algn="l"/>
+            <a:r>
+              <a:rPr lang="en-US" sz="2000" dirty="0"/>
+              <a:t>    </a:t>
+            </a:r>
+            <a:r>
+              <a:rPr lang="en-US" sz="2000" dirty="0" smtClean="0"/>
+              <a:t>"</a:t>
+            </a:r>
+            <a:r>
+              <a:rPr lang="en-US" sz="2000" dirty="0" err="1" smtClean="0"/>
+              <a:t>filesearch</a:t>
+            </a:r>
+            <a:r>
+              <a:rPr lang="en-US" sz="2000" dirty="0" smtClean="0"/>
+              <a:t>/*path"</a:t>
+            </a:r>
+            <a:r>
+              <a:rPr lang="en-US" sz="2000" dirty="0"/>
+              <a:t>: </a:t>
+            </a:r>
+            <a:r>
+              <a:rPr lang="en-US" sz="2000" dirty="0" smtClean="0"/>
+              <a:t>"</a:t>
+            </a:r>
+            <a:r>
+              <a:rPr lang="en-US" sz="2000" dirty="0" err="1" smtClean="0"/>
+              <a:t>fsHelper</a:t>
+            </a:r>
+            <a:r>
+              <a:rPr lang="en-US" sz="2000" dirty="0" smtClean="0"/>
+              <a:t>"</a:t>
+            </a:r>
+            <a:r>
+              <a:rPr lang="en-US" sz="2000" dirty="0"/>
+              <a:t>,  // </a:t>
+            </a:r>
+            <a:r>
+              <a:rPr lang="en-US" sz="2000" dirty="0" err="1" smtClean="0"/>
+              <a:t>fsHelper</a:t>
+            </a:r>
+            <a:r>
+              <a:rPr lang="en-US" sz="2000" dirty="0" smtClean="0"/>
+              <a:t> gets passed 'more/than/1/slash/'</a:t>
+            </a:r>
           </a:p>
         </p:txBody>
       </p:sp>
     </p:spTree>
     <p:extLst>
       <p:ext uri="{BB962C8B-B14F-4D97-AF65-F5344CB8AC3E}">
-        <p14:creationId xmlns:p14="http://schemas.microsoft.com/office/powerpoint/2010/main" val="421552072"/>
-      </p:ext>
-    </p:extLst>
-  </p:cSld>
-  <p:clrMapOvr>
-    <a:masterClrMapping/>
-  </p:clrMapOvr>
-  <p:timing>
-    <p:tnLst>
-      <p:par>
-        <p:cTn xmlns:p14="http://schemas.microsoft.com/office/powerpoint/2010/main" id="1" dur="indefinite" restart="never" nodeType="tmRoot"/>
-      </p:par>
-    </p:tnLst>
-  </p:timing>
-</p:sld>
-</file>
-
-<file path=ppt/slides/slide13.xml><?xml version="1.0" encoding="utf-8"?>
-<p:sld xmlns:a="http://schemas.openxmlformats.org/drawingml/2006/main" xmlns:r="http://schemas.openxmlformats.org/officeDocument/2006/relationships" xmlns:p="http://schemas.openxmlformats.org/presentationml/2006/main">
-  <p:cSld>
-    <p:spTree>
-      <p:nvGrpSpPr>
-        <p:cNvPr id="1" name=""/>
-        <p:cNvGrpSpPr/>
-        <p:nvPr/>
-      </p:nvGrpSpPr>
-      <p:grpSpPr>
-        <a:xfrm>
-          <a:off x="0" y="0"/>
-          <a:ext cx="0" cy="0"/>
-          <a:chOff x="0" y="0"/>
-          <a:chExt cx="0" cy="0"/>
-        </a:xfrm>
-      </p:grpSpPr>
-      <p:sp>
-        <p:nvSpPr>
-          <p:cNvPr id="2" name="Title 1"/>
-          <p:cNvSpPr>
-            <a:spLocks noGrp="1"/>
-          </p:cNvSpPr>
-          <p:nvPr>
-            <p:ph type="ctrTitle"/>
-          </p:nvPr>
-        </p:nvSpPr>
-        <p:spPr>
-          <a:xfrm>
-            <a:off x="685800" y="160685"/>
-            <a:ext cx="7772400" cy="1470025"/>
-          </a:xfrm>
-        </p:spPr>
-        <p:txBody>
-          <a:bodyPr/>
-          <a:lstStyle/>
-          <a:p>
-            <a:r>
-              <a:rPr lang="en-US" dirty="0" smtClean="0"/>
-              <a:t>Lab: switch to Marionette</a:t>
-            </a:r>
-            <a:endParaRPr lang="en-US" dirty="0"/>
-          </a:p>
-        </p:txBody>
-      </p:sp>
-      <p:sp>
-        <p:nvSpPr>
-          <p:cNvPr id="3" name="Subtitle 2"/>
-          <p:cNvSpPr>
-            <a:spLocks noGrp="1"/>
-          </p:cNvSpPr>
-          <p:nvPr>
-            <p:ph type="subTitle" idx="1"/>
-          </p:nvPr>
-        </p:nvSpPr>
-        <p:spPr>
-          <a:xfrm>
-            <a:off x="454651" y="1630710"/>
-            <a:ext cx="8371875" cy="4609893"/>
-          </a:xfrm>
-        </p:spPr>
-        <p:txBody>
-          <a:bodyPr>
-            <a:normAutofit/>
-          </a:bodyPr>
-          <a:lstStyle/>
-          <a:p>
-            <a:pPr marL="342900" indent="-342900" algn="l">
-              <a:buFont typeface="Arial"/>
-              <a:buChar char="•"/>
-            </a:pPr>
-            <a:r>
-              <a:rPr lang="en-US" sz="2000" dirty="0" smtClean="0"/>
-              <a:t>Change existing app to use View and </a:t>
-            </a:r>
-            <a:r>
-              <a:rPr lang="en-US" sz="2000" dirty="0" err="1" smtClean="0"/>
-              <a:t>CollectionView</a:t>
-            </a:r>
-            <a:endParaRPr lang="en-US" sz="2000" dirty="0" smtClean="0"/>
-          </a:p>
-          <a:p>
-            <a:pPr marL="342900" indent="-342900" algn="l">
-              <a:buFont typeface="Arial"/>
-              <a:buChar char="•"/>
-            </a:pPr>
-            <a:r>
-              <a:rPr lang="en-US" sz="2000" dirty="0" smtClean="0"/>
-              <a:t>Structure app under Application and </a:t>
-            </a:r>
-            <a:r>
-              <a:rPr lang="en-US" sz="2000" dirty="0" err="1" smtClean="0"/>
-              <a:t>config</a:t>
-            </a:r>
-            <a:r>
-              <a:rPr lang="en-US" sz="2000" dirty="0" smtClean="0"/>
-              <a:t> 'start' event</a:t>
-            </a:r>
-            <a:endParaRPr lang="en-US" sz="2000" dirty="0" smtClean="0"/>
-          </a:p>
-        </p:txBody>
-      </p:sp>
-    </p:spTree>
-    <p:extLst>
-      <p:ext uri="{BB962C8B-B14F-4D97-AF65-F5344CB8AC3E}">
-        <p14:creationId xmlns:p14="http://schemas.microsoft.com/office/powerpoint/2010/main" val="3970540225"/>
+        <p14:creationId xmlns:p14="http://schemas.microsoft.com/office/powerpoint/2010/main" val="2131046193"/>
       </p:ext>
     </p:extLst>
   </p:cSld>
@@ -3904,7 +3866,7 @@
             </a:pPr>
             <a:r>
               <a:rPr lang="en-US" dirty="0"/>
-              <a:t>Collections</a:t>
+              <a:t>Lunch</a:t>
             </a:r>
           </a:p>
           <a:p>
@@ -3913,8 +3875,8 @@
               <a:buChar char="•"/>
             </a:pPr>
             <a:r>
-              <a:rPr lang="en-US" dirty="0"/>
-              <a:t>Lunch</a:t>
+              <a:rPr lang="en-US" dirty="0" smtClean="0"/>
+              <a:t>Collections</a:t>
             </a:r>
           </a:p>
           <a:p>
@@ -3923,8 +3885,8 @@
               <a:buChar char="•"/>
             </a:pPr>
             <a:r>
-              <a:rPr lang="en-US" dirty="0"/>
-              <a:t>Marionette</a:t>
+              <a:rPr lang="en-US" dirty="0" smtClean="0"/>
+              <a:t>Backbone router</a:t>
             </a:r>
             <a:endParaRPr lang="en-US" dirty="0"/>
           </a:p>
@@ -4410,11 +4372,7 @@
             </a:r>
             <a:r>
               <a:rPr lang="en-US" sz="2000" dirty="0" smtClean="0"/>
-              <a:t> </a:t>
-            </a:r>
-            <a:r>
-              <a:rPr lang="en-US" sz="2000" dirty="0" smtClean="0"/>
-              <a:t>) }</a:t>
+              <a:t> ) }</a:t>
             </a:r>
             <a:endParaRPr lang="en-US" sz="2000" dirty="0"/>
           </a:p>
@@ -4721,11 +4679,7 @@
             </a:pPr>
             <a:r>
               <a:rPr lang="en-US" sz="2000" dirty="0" smtClean="0"/>
-              <a:t>Marionette supports </a:t>
-            </a:r>
-            <a:r>
-              <a:rPr lang="en-US" sz="2000" dirty="0" smtClean="0"/>
-              <a:t>helper </a:t>
+              <a:t>Marionette supports helper </a:t>
             </a:r>
             <a:r>
               <a:rPr lang="en-US" sz="2000" dirty="0"/>
@@ -4739,7 +4693,6 @@
               <a:rPr lang="en-US" sz="2000" dirty="0" smtClean="0"/>
               <a:t>)</a:t>
             </a:r>
-            <a:endParaRPr lang="en-US" sz="2000" dirty="0" smtClean="0"/>
           </a:p>
         </p:txBody>
       </p:sp>
